--- a/nick/presentation/Powerpoint presentatie 22 maart CSL.pptx
+++ b/nick/presentation/Powerpoint presentatie 22 maart CSL.pptx
@@ -7,10 +7,10 @@
     <p:sldMasterId id="2147483660" r:id="rId3"/>
   </p:sldMasterIdLst>
   <p:notesMasterIdLst>
-    <p:notesMasterId r:id="rId13"/>
+    <p:notesMasterId r:id="rId20"/>
   </p:notesMasterIdLst>
   <p:handoutMasterIdLst>
-    <p:handoutMasterId r:id="rId14"/>
+    <p:handoutMasterId r:id="rId21"/>
   </p:handoutMasterIdLst>
   <p:sldIdLst>
     <p:sldId id="256" r:id="rId4"/>
@@ -22,6 +22,13 @@
     <p:sldId id="297" r:id="rId10"/>
     <p:sldId id="292" r:id="rId11"/>
     <p:sldId id="295" r:id="rId12"/>
+    <p:sldId id="301" r:id="rId13"/>
+    <p:sldId id="302" r:id="rId14"/>
+    <p:sldId id="303" r:id="rId15"/>
+    <p:sldId id="304" r:id="rId16"/>
+    <p:sldId id="305" r:id="rId17"/>
+    <p:sldId id="306" r:id="rId18"/>
+    <p:sldId id="307" r:id="rId19"/>
   </p:sldIdLst>
   <p:sldSz cx="9144000" cy="6858000" type="screen4x3"/>
   <p:notesSz cx="6858000" cy="9144000"/>
@@ -120,6 +127,22 @@
       </a:defRPr>
     </a:lvl9pPr>
   </p:defaultTextStyle>
+  <p:extLst>
+    <p:ext uri="{EFAFB233-063F-42B5-8137-9DF3F51BA10A}">
+      <p15:sldGuideLst xmlns:p15="http://schemas.microsoft.com/office/powerpoint/2012/main">
+        <p15:guide id="1" orient="horz" pos="2160">
+          <p15:clr>
+            <a:srgbClr val="A4A3A4"/>
+          </p15:clr>
+        </p15:guide>
+        <p15:guide id="2" pos="2880">
+          <p15:clr>
+            <a:srgbClr val="A4A3A4"/>
+          </p15:clr>
+        </p15:guide>
+      </p15:sldGuideLst>
+    </p:ext>
+  </p:extLst>
 </p:presentation>
 </file>
 
@@ -205,7 +228,7 @@
           <a:p>
             <a:fld id="{DBAE3B3E-782A-9745-8E84-372F7B6771BF}" type="datetimeFigureOut">
               <a:rPr lang="en-US" smtClean="0"/>
-              <a:t>3/21/2017</a:t>
+              <a:t>3/21/17</a:t>
             </a:fld>
             <a:endParaRPr lang="en-US" dirty="0"/>
           </a:p>
@@ -370,7 +393,7 @@
           <a:p>
             <a:fld id="{23D14410-44F4-4551-BC20-647E2B6F40FD}" type="datetimeFigureOut">
               <a:rPr lang="nl-NL" smtClean="0"/>
-              <a:t>21-3-2017</a:t>
+              <a:t>21-03-17</a:t>
             </a:fld>
             <a:endParaRPr lang="nl-NL"/>
           </a:p>
@@ -730,6 +753,258 @@
 </p:notes>
 </file>
 
+<file path=ppt/notesSlides/notesSlide2.xml><?xml version="1.0" encoding="utf-8"?>
+<p:notes xmlns:a="http://schemas.openxmlformats.org/drawingml/2006/main" xmlns:r="http://schemas.openxmlformats.org/officeDocument/2006/relationships" xmlns:p="http://schemas.openxmlformats.org/presentationml/2006/main">
+  <p:cSld>
+    <p:spTree>
+      <p:nvGrpSpPr>
+        <p:cNvPr id="1" name=""/>
+        <p:cNvGrpSpPr/>
+        <p:nvPr/>
+      </p:nvGrpSpPr>
+      <p:grpSpPr>
+        <a:xfrm>
+          <a:off x="0" y="0"/>
+          <a:ext cx="0" cy="0"/>
+          <a:chOff x="0" y="0"/>
+          <a:chExt cx="0" cy="0"/>
+        </a:xfrm>
+      </p:grpSpPr>
+      <p:sp>
+        <p:nvSpPr>
+          <p:cNvPr id="2" name="Slide Image Placeholder 1"/>
+          <p:cNvSpPr>
+            <a:spLocks noGrp="1" noRot="1" noChangeAspect="1"/>
+          </p:cNvSpPr>
+          <p:nvPr>
+            <p:ph type="sldImg"/>
+          </p:nvPr>
+        </p:nvSpPr>
+        <p:spPr/>
+      </p:sp>
+      <p:sp>
+        <p:nvSpPr>
+          <p:cNvPr id="3" name="Notes Placeholder 2"/>
+          <p:cNvSpPr>
+            <a:spLocks noGrp="1"/>
+          </p:cNvSpPr>
+          <p:nvPr>
+            <p:ph type="body" idx="1"/>
+          </p:nvPr>
+        </p:nvSpPr>
+        <p:spPr/>
+        <p:txBody>
+          <a:bodyPr/>
+          <a:lstStyle/>
+          <a:p>
+            <a:endParaRPr lang="en-US" dirty="0"/>
+          </a:p>
+        </p:txBody>
+      </p:sp>
+      <p:sp>
+        <p:nvSpPr>
+          <p:cNvPr id="4" name="Slide Number Placeholder 3"/>
+          <p:cNvSpPr>
+            <a:spLocks noGrp="1"/>
+          </p:cNvSpPr>
+          <p:nvPr>
+            <p:ph type="sldNum" sz="quarter" idx="10"/>
+          </p:nvPr>
+        </p:nvSpPr>
+        <p:spPr/>
+        <p:txBody>
+          <a:bodyPr/>
+          <a:lstStyle/>
+          <a:p>
+            <a:fld id="{AE92504F-9271-428E-B456-8DA80BC0B471}" type="slidenum">
+              <a:rPr lang="nl-NL" smtClean="0"/>
+              <a:t>14</a:t>
+            </a:fld>
+            <a:endParaRPr lang="nl-NL"/>
+          </a:p>
+        </p:txBody>
+      </p:sp>
+    </p:spTree>
+    <p:extLst>
+      <p:ext uri="{BB962C8B-B14F-4D97-AF65-F5344CB8AC3E}">
+        <p14:creationId xmlns:p14="http://schemas.microsoft.com/office/powerpoint/2010/main" val="859989057"/>
+      </p:ext>
+    </p:extLst>
+  </p:cSld>
+  <p:clrMapOvr>
+    <a:masterClrMapping/>
+  </p:clrMapOvr>
+</p:notes>
+</file>
+
+<file path=ppt/notesSlides/notesSlide3.xml><?xml version="1.0" encoding="utf-8"?>
+<p:notes xmlns:a="http://schemas.openxmlformats.org/drawingml/2006/main" xmlns:r="http://schemas.openxmlformats.org/officeDocument/2006/relationships" xmlns:p="http://schemas.openxmlformats.org/presentationml/2006/main">
+  <p:cSld>
+    <p:spTree>
+      <p:nvGrpSpPr>
+        <p:cNvPr id="1" name=""/>
+        <p:cNvGrpSpPr/>
+        <p:nvPr/>
+      </p:nvGrpSpPr>
+      <p:grpSpPr>
+        <a:xfrm>
+          <a:off x="0" y="0"/>
+          <a:ext cx="0" cy="0"/>
+          <a:chOff x="0" y="0"/>
+          <a:chExt cx="0" cy="0"/>
+        </a:xfrm>
+      </p:grpSpPr>
+      <p:sp>
+        <p:nvSpPr>
+          <p:cNvPr id="2" name="Slide Image Placeholder 1"/>
+          <p:cNvSpPr>
+            <a:spLocks noGrp="1" noRot="1" noChangeAspect="1"/>
+          </p:cNvSpPr>
+          <p:nvPr>
+            <p:ph type="sldImg"/>
+          </p:nvPr>
+        </p:nvSpPr>
+        <p:spPr/>
+      </p:sp>
+      <p:sp>
+        <p:nvSpPr>
+          <p:cNvPr id="3" name="Notes Placeholder 2"/>
+          <p:cNvSpPr>
+            <a:spLocks noGrp="1"/>
+          </p:cNvSpPr>
+          <p:nvPr>
+            <p:ph type="body" idx="1"/>
+          </p:nvPr>
+        </p:nvSpPr>
+        <p:spPr/>
+        <p:txBody>
+          <a:bodyPr/>
+          <a:lstStyle/>
+          <a:p>
+            <a:endParaRPr lang="en-US" dirty="0"/>
+          </a:p>
+        </p:txBody>
+      </p:sp>
+      <p:sp>
+        <p:nvSpPr>
+          <p:cNvPr id="4" name="Slide Number Placeholder 3"/>
+          <p:cNvSpPr>
+            <a:spLocks noGrp="1"/>
+          </p:cNvSpPr>
+          <p:nvPr>
+            <p:ph type="sldNum" sz="quarter" idx="10"/>
+          </p:nvPr>
+        </p:nvSpPr>
+        <p:spPr/>
+        <p:txBody>
+          <a:bodyPr/>
+          <a:lstStyle/>
+          <a:p>
+            <a:fld id="{AE92504F-9271-428E-B456-8DA80BC0B471}" type="slidenum">
+              <a:rPr lang="nl-NL" smtClean="0"/>
+              <a:t>15</a:t>
+            </a:fld>
+            <a:endParaRPr lang="nl-NL"/>
+          </a:p>
+        </p:txBody>
+      </p:sp>
+    </p:spTree>
+    <p:extLst>
+      <p:ext uri="{BB962C8B-B14F-4D97-AF65-F5344CB8AC3E}">
+        <p14:creationId xmlns:p14="http://schemas.microsoft.com/office/powerpoint/2010/main" val="865117756"/>
+      </p:ext>
+    </p:extLst>
+  </p:cSld>
+  <p:clrMapOvr>
+    <a:masterClrMapping/>
+  </p:clrMapOvr>
+</p:notes>
+</file>
+
+<file path=ppt/notesSlides/notesSlide4.xml><?xml version="1.0" encoding="utf-8"?>
+<p:notes xmlns:a="http://schemas.openxmlformats.org/drawingml/2006/main" xmlns:r="http://schemas.openxmlformats.org/officeDocument/2006/relationships" xmlns:p="http://schemas.openxmlformats.org/presentationml/2006/main">
+  <p:cSld>
+    <p:spTree>
+      <p:nvGrpSpPr>
+        <p:cNvPr id="1" name=""/>
+        <p:cNvGrpSpPr/>
+        <p:nvPr/>
+      </p:nvGrpSpPr>
+      <p:grpSpPr>
+        <a:xfrm>
+          <a:off x="0" y="0"/>
+          <a:ext cx="0" cy="0"/>
+          <a:chOff x="0" y="0"/>
+          <a:chExt cx="0" cy="0"/>
+        </a:xfrm>
+      </p:grpSpPr>
+      <p:sp>
+        <p:nvSpPr>
+          <p:cNvPr id="2" name="Slide Image Placeholder 1"/>
+          <p:cNvSpPr>
+            <a:spLocks noGrp="1" noRot="1" noChangeAspect="1"/>
+          </p:cNvSpPr>
+          <p:nvPr>
+            <p:ph type="sldImg"/>
+          </p:nvPr>
+        </p:nvSpPr>
+        <p:spPr/>
+      </p:sp>
+      <p:sp>
+        <p:nvSpPr>
+          <p:cNvPr id="3" name="Notes Placeholder 2"/>
+          <p:cNvSpPr>
+            <a:spLocks noGrp="1"/>
+          </p:cNvSpPr>
+          <p:nvPr>
+            <p:ph type="body" idx="1"/>
+          </p:nvPr>
+        </p:nvSpPr>
+        <p:spPr/>
+        <p:txBody>
+          <a:bodyPr/>
+          <a:lstStyle/>
+          <a:p>
+            <a:endParaRPr lang="en-US" dirty="0"/>
+          </a:p>
+        </p:txBody>
+      </p:sp>
+      <p:sp>
+        <p:nvSpPr>
+          <p:cNvPr id="4" name="Slide Number Placeholder 3"/>
+          <p:cNvSpPr>
+            <a:spLocks noGrp="1"/>
+          </p:cNvSpPr>
+          <p:nvPr>
+            <p:ph type="sldNum" sz="quarter" idx="10"/>
+          </p:nvPr>
+        </p:nvSpPr>
+        <p:spPr/>
+        <p:txBody>
+          <a:bodyPr/>
+          <a:lstStyle/>
+          <a:p>
+            <a:fld id="{AE92504F-9271-428E-B456-8DA80BC0B471}" type="slidenum">
+              <a:rPr lang="nl-NL" smtClean="0"/>
+              <a:t>16</a:t>
+            </a:fld>
+            <a:endParaRPr lang="nl-NL"/>
+          </a:p>
+        </p:txBody>
+      </p:sp>
+    </p:spTree>
+    <p:extLst>
+      <p:ext uri="{BB962C8B-B14F-4D97-AF65-F5344CB8AC3E}">
+        <p14:creationId xmlns:p14="http://schemas.microsoft.com/office/powerpoint/2010/main" val="1433165129"/>
+      </p:ext>
+    </p:extLst>
+  </p:cSld>
+  <p:clrMapOvr>
+    <a:masterClrMapping/>
+  </p:clrMapOvr>
+</p:notes>
+</file>
+
 <file path=ppt/slideLayouts/slideLayout1.xml><?xml version="1.0" encoding="utf-8"?>
 <p:sldLayout xmlns:a="http://schemas.openxmlformats.org/drawingml/2006/main" xmlns:r="http://schemas.openxmlformats.org/officeDocument/2006/relationships" xmlns:p="http://schemas.openxmlformats.org/presentationml/2006/main" type="title" preserve="1">
   <p:cSld name="Title Slide">
@@ -962,7 +1237,7 @@
           <a:p>
             <a:fld id="{567CAC44-16C3-4E46-8EBB-DD77762876C2}" type="datetimeFigureOut">
               <a:rPr lang="nl-NL" smtClean="0"/>
-              <a:t>21-3-2017</a:t>
+              <a:t>21-03-17</a:t>
             </a:fld>
             <a:endParaRPr lang="nl-NL"/>
           </a:p>
@@ -1246,7 +1521,7 @@
           <a:p>
             <a:fld id="{567CAC44-16C3-4E46-8EBB-DD77762876C2}" type="datetimeFigureOut">
               <a:rPr lang="nl-NL" smtClean="0"/>
-              <a:t>21-3-2017</a:t>
+              <a:t>21-03-17</a:t>
             </a:fld>
             <a:endParaRPr lang="nl-NL"/>
           </a:p>
@@ -1506,7 +1781,7 @@
           <a:p>
             <a:fld id="{567CAC44-16C3-4E46-8EBB-DD77762876C2}" type="datetimeFigureOut">
               <a:rPr lang="nl-NL" smtClean="0"/>
-              <a:t>21-3-2017</a:t>
+              <a:t>21-03-17</a:t>
             </a:fld>
             <a:endParaRPr lang="nl-NL"/>
           </a:p>
@@ -1683,7 +1958,7 @@
           <a:p>
             <a:fld id="{567CAC44-16C3-4E46-8EBB-DD77762876C2}" type="datetimeFigureOut">
               <a:rPr lang="nl-NL" smtClean="0"/>
-              <a:t>21-3-2017</a:t>
+              <a:t>21-03-17</a:t>
             </a:fld>
             <a:endParaRPr lang="nl-NL"/>
           </a:p>
@@ -1870,7 +2145,7 @@
           <a:p>
             <a:fld id="{567CAC44-16C3-4E46-8EBB-DD77762876C2}" type="datetimeFigureOut">
               <a:rPr lang="nl-NL" smtClean="0"/>
-              <a:t>21-3-2017</a:t>
+              <a:t>21-03-17</a:t>
             </a:fld>
             <a:endParaRPr lang="nl-NL"/>
           </a:p>
@@ -2296,7 +2571,7 @@
           <a:p>
             <a:fld id="{462A2416-1570-3849-86F9-07F78746E1B2}" type="datetimeFigureOut">
               <a:rPr lang="en-US" smtClean="0"/>
-              <a:t>3/21/2017</a:t>
+              <a:t>3/21/17</a:t>
             </a:fld>
             <a:endParaRPr lang="en-US" dirty="0"/>
           </a:p>
@@ -2818,7 +3093,7 @@
           <a:p>
             <a:fld id="{567CAC44-16C3-4E46-8EBB-DD77762876C2}" type="datetimeFigureOut">
               <a:rPr lang="nl-NL" smtClean="0"/>
-              <a:t>21-3-2017</a:t>
+              <a:t>21-03-17</a:t>
             </a:fld>
             <a:endParaRPr lang="nl-NL"/>
           </a:p>
@@ -2995,7 +3270,7 @@
           <a:p>
             <a:fld id="{567CAC44-16C3-4E46-8EBB-DD77762876C2}" type="datetimeFigureOut">
               <a:rPr lang="nl-NL" smtClean="0"/>
-              <a:t>21-3-2017</a:t>
+              <a:t>21-03-17</a:t>
             </a:fld>
             <a:endParaRPr lang="nl-NL"/>
           </a:p>
@@ -3248,7 +3523,7 @@
           <a:p>
             <a:fld id="{567CAC44-16C3-4E46-8EBB-DD77762876C2}" type="datetimeFigureOut">
               <a:rPr lang="nl-NL" smtClean="0"/>
-              <a:t>21-3-2017</a:t>
+              <a:t>21-03-17</a:t>
             </a:fld>
             <a:endParaRPr lang="nl-NL"/>
           </a:p>
@@ -3543,7 +3818,7 @@
           <a:p>
             <a:fld id="{567CAC44-16C3-4E46-8EBB-DD77762876C2}" type="datetimeFigureOut">
               <a:rPr lang="nl-NL" smtClean="0"/>
-              <a:t>21-3-2017</a:t>
+              <a:t>21-03-17</a:t>
             </a:fld>
             <a:endParaRPr lang="nl-NL"/>
           </a:p>
@@ -3972,7 +4247,7 @@
           <a:p>
             <a:fld id="{567CAC44-16C3-4E46-8EBB-DD77762876C2}" type="datetimeFigureOut">
               <a:rPr lang="nl-NL" smtClean="0"/>
-              <a:t>21-3-2017</a:t>
+              <a:t>21-03-17</a:t>
             </a:fld>
             <a:endParaRPr lang="nl-NL"/>
           </a:p>
@@ -4097,7 +4372,7 @@
           <a:p>
             <a:fld id="{567CAC44-16C3-4E46-8EBB-DD77762876C2}" type="datetimeFigureOut">
               <a:rPr lang="nl-NL" smtClean="0"/>
-              <a:t>21-3-2017</a:t>
+              <a:t>21-03-17</a:t>
             </a:fld>
             <a:endParaRPr lang="nl-NL"/>
           </a:p>
@@ -4930,7 +5205,7 @@
           <a:p>
             <a:fld id="{567CAC44-16C3-4E46-8EBB-DD77762876C2}" type="datetimeFigureOut">
               <a:rPr lang="nl-NL" smtClean="0"/>
-              <a:t>21-3-2017</a:t>
+              <a:t>21-03-17</a:t>
             </a:fld>
             <a:endParaRPr lang="nl-NL"/>
           </a:p>
@@ -6027,15 +6302,7 @@
                   <a:schemeClr val="bg1"/>
                 </a:solidFill>
               </a:rPr>
-              <a:t>- </a:t>
-            </a:r>
-            <a:r>
-              <a:rPr lang="nl-NL" sz="1400" dirty="0" smtClean="0">
-                <a:solidFill>
-                  <a:schemeClr val="bg1"/>
-                </a:solidFill>
-              </a:rPr>
-              <a:t>Physical system</a:t>
+              <a:t>- Physical system</a:t>
             </a:r>
             <a:endParaRPr lang="nl-NL" sz="1400" dirty="0">
               <a:solidFill>
@@ -6050,21 +6317,18 @@
                   <a:schemeClr val="bg1"/>
                 </a:solidFill>
               </a:rPr>
-              <a:t>- </a:t>
-            </a:r>
+              <a:t>- Black box model</a:t>
+            </a:r>
+          </a:p>
+          <a:p>
             <a:r>
               <a:rPr lang="nl-NL" sz="1400" dirty="0" smtClean="0">
                 <a:solidFill>
                   <a:schemeClr val="bg1"/>
                 </a:solidFill>
               </a:rPr>
-              <a:t>Black box model</a:t>
-            </a:r>
-            <a:endParaRPr lang="nl-NL" sz="1400" dirty="0" smtClean="0">
-              <a:solidFill>
-                <a:schemeClr val="bg1"/>
-              </a:solidFill>
-            </a:endParaRPr>
+              <a:t>- Simulink model</a:t>
+            </a:r>
           </a:p>
           <a:p>
             <a:r>
@@ -6073,7 +6337,7 @@
                   <a:schemeClr val="bg1"/>
                 </a:solidFill>
               </a:rPr>
-              <a:t>- Simulink model</a:t>
+              <a:t>- Linearisation</a:t>
             </a:r>
           </a:p>
           <a:p>
@@ -6083,13 +6347,8 @@
                   <a:schemeClr val="bg1"/>
                 </a:solidFill>
               </a:rPr>
-              <a:t>- Linearisation</a:t>
-            </a:r>
-            <a:endParaRPr lang="nl-NL" sz="1400" dirty="0" smtClean="0">
-              <a:solidFill>
-                <a:schemeClr val="bg1"/>
-              </a:solidFill>
-            </a:endParaRPr>
+              <a:t>- Parameter estimation</a:t>
+            </a:r>
           </a:p>
           <a:p>
             <a:r>
@@ -6098,7 +6357,7 @@
                   <a:schemeClr val="bg1"/>
                 </a:solidFill>
               </a:rPr>
-              <a:t>- Parameter estimation</a:t>
+              <a:t>- LQR controller</a:t>
             </a:r>
           </a:p>
           <a:p>
@@ -6108,7 +6367,7 @@
                   <a:schemeClr val="bg1"/>
                 </a:solidFill>
               </a:rPr>
-              <a:t>- LQR controller</a:t>
+              <a:t>- Kalman filter</a:t>
             </a:r>
           </a:p>
           <a:p>
@@ -6118,7 +6377,7 @@
                   <a:schemeClr val="bg1"/>
                 </a:solidFill>
               </a:rPr>
-              <a:t>- Kalman filter</a:t>
+              <a:t>- Simulation + visualization</a:t>
             </a:r>
           </a:p>
           <a:p>
@@ -6128,23 +6387,8 @@
                   <a:schemeClr val="bg1"/>
                 </a:solidFill>
               </a:rPr>
-              <a:t>- Simulation + visualization</a:t>
-            </a:r>
-          </a:p>
-          <a:p>
-            <a:r>
-              <a:rPr lang="nl-NL" sz="1400" dirty="0" smtClean="0">
-                <a:solidFill>
-                  <a:schemeClr val="bg1"/>
-                </a:solidFill>
-              </a:rPr>
               <a:t>- Demo</a:t>
             </a:r>
-            <a:endParaRPr lang="nl-NL" sz="1400" dirty="0" smtClean="0">
-              <a:solidFill>
-                <a:schemeClr val="bg1"/>
-              </a:solidFill>
-            </a:endParaRPr>
           </a:p>
         </p:txBody>
       </p:sp>
@@ -6232,6 +6476,1529 @@
 </p:sld>
 </file>
 
+<file path=ppt/slides/slide10.xml><?xml version="1.0" encoding="utf-8"?>
+<p:sld xmlns:a="http://schemas.openxmlformats.org/drawingml/2006/main" xmlns:r="http://schemas.openxmlformats.org/officeDocument/2006/relationships" xmlns:p="http://schemas.openxmlformats.org/presentationml/2006/main">
+  <p:cSld>
+    <p:spTree>
+      <p:nvGrpSpPr>
+        <p:cNvPr id="1" name=""/>
+        <p:cNvGrpSpPr/>
+        <p:nvPr/>
+      </p:nvGrpSpPr>
+      <p:grpSpPr>
+        <a:xfrm>
+          <a:off x="0" y="0"/>
+          <a:ext cx="0" cy="0"/>
+          <a:chOff x="0" y="0"/>
+          <a:chExt cx="0" cy="0"/>
+        </a:xfrm>
+      </p:grpSpPr>
+      <p:sp>
+        <p:nvSpPr>
+          <p:cNvPr id="2" name="Title 1"/>
+          <p:cNvSpPr>
+            <a:spLocks noGrp="1"/>
+          </p:cNvSpPr>
+          <p:nvPr>
+            <p:ph type="title"/>
+          </p:nvPr>
+        </p:nvSpPr>
+        <p:spPr/>
+        <p:txBody>
+          <a:bodyPr/>
+          <a:lstStyle/>
+          <a:p>
+            <a:r>
+              <a:rPr lang="en-US" dirty="0" smtClean="0"/>
+              <a:t>Tuning the LQR Controller</a:t>
+            </a:r>
+            <a:endParaRPr lang="en-US" dirty="0"/>
+          </a:p>
+        </p:txBody>
+      </p:sp>
+      <p:sp>
+        <p:nvSpPr>
+          <p:cNvPr id="3" name="Content Placeholder 2"/>
+          <p:cNvSpPr>
+            <a:spLocks noGrp="1"/>
+          </p:cNvSpPr>
+          <p:nvPr>
+            <p:ph idx="1"/>
+          </p:nvPr>
+        </p:nvSpPr>
+        <p:spPr/>
+        <p:txBody>
+          <a:bodyPr/>
+          <a:lstStyle/>
+          <a:p>
+            <a:r>
+              <a:rPr lang="en-US" dirty="0" smtClean="0"/>
+              <a:t>Used “</a:t>
+            </a:r>
+            <a:r>
+              <a:rPr lang="en-US" dirty="0" err="1" smtClean="0"/>
+              <a:t>dlqr</a:t>
+            </a:r>
+            <a:r>
+              <a:rPr lang="en-US" dirty="0" smtClean="0"/>
+              <a:t>()” in MATLAB</a:t>
+            </a:r>
+          </a:p>
+          <a:p>
+            <a:pPr lvl="1"/>
+            <a:r>
+              <a:rPr lang="en-US" dirty="0"/>
+              <a:t>c</a:t>
+            </a:r>
+            <a:r>
+              <a:rPr lang="en-US" dirty="0" smtClean="0"/>
+              <a:t>2d() to discretize system</a:t>
+            </a:r>
+          </a:p>
+          <a:p>
+            <a:pPr lvl="1"/>
+            <a:r>
+              <a:rPr lang="en-US" dirty="0" smtClean="0"/>
+              <a:t>Sampled at 100Hz</a:t>
+            </a:r>
+          </a:p>
+          <a:p>
+            <a:r>
+              <a:rPr lang="en-US" dirty="0" smtClean="0"/>
+              <a:t>Manually tuned penalties Q and R</a:t>
+            </a:r>
+          </a:p>
+          <a:p>
+            <a:pPr lvl="1"/>
+            <a:r>
+              <a:rPr lang="en-US" dirty="0" smtClean="0"/>
+              <a:t>Q = </a:t>
+            </a:r>
+            <a:r>
+              <a:rPr lang="mr-IN" dirty="0" err="1"/>
+              <a:t>diag</a:t>
+            </a:r>
+            <a:r>
+              <a:rPr lang="mr-IN" dirty="0"/>
+              <a:t>([1 10000 100000 100 1]);</a:t>
+            </a:r>
+          </a:p>
+          <a:p>
+            <a:pPr lvl="1"/>
+            <a:r>
+              <a:rPr lang="en-US" dirty="0" smtClean="0"/>
+              <a:t>R </a:t>
+            </a:r>
+            <a:r>
+              <a:rPr lang="mr-IN" dirty="0"/>
+              <a:t>= 60000</a:t>
+            </a:r>
+            <a:r>
+              <a:rPr lang="mr-IN" dirty="0" smtClean="0"/>
+              <a:t>;</a:t>
+            </a:r>
+            <a:endParaRPr lang="en-US" dirty="0" smtClean="0"/>
+          </a:p>
+          <a:p>
+            <a:r>
+              <a:rPr lang="en-US" dirty="0" smtClean="0"/>
+              <a:t>Tuned based on step and impulse responses</a:t>
+            </a:r>
+          </a:p>
+          <a:p>
+            <a:pPr lvl="1"/>
+            <a:r>
+              <a:rPr lang="en-US" dirty="0" smtClean="0"/>
+              <a:t>Step: Low overshoot</a:t>
+            </a:r>
+          </a:p>
+          <a:p>
+            <a:pPr lvl="1"/>
+            <a:r>
+              <a:rPr lang="en-US" dirty="0" smtClean="0"/>
+              <a:t>Impulse: Fast settling time</a:t>
+            </a:r>
+          </a:p>
+          <a:p>
+            <a:r>
+              <a:rPr lang="en-US" dirty="0" smtClean="0"/>
+              <a:t>Both responses difficult to interpret due to linearized model</a:t>
+            </a:r>
+          </a:p>
+          <a:p>
+            <a:endParaRPr lang="en-US" dirty="0" smtClean="0"/>
+          </a:p>
+          <a:p>
+            <a:endParaRPr lang="mr-IN" dirty="0"/>
+          </a:p>
+        </p:txBody>
+      </p:sp>
+      <p:sp>
+        <p:nvSpPr>
+          <p:cNvPr id="4" name="TextBox 3"/>
+          <p:cNvSpPr txBox="1"/>
+          <p:nvPr/>
+        </p:nvSpPr>
+        <p:spPr>
+          <a:xfrm>
+            <a:off x="-85346" y="3218688"/>
+            <a:ext cx="1880242" cy="2246769"/>
+          </a:xfrm>
+          <a:prstGeom prst="rect">
+            <a:avLst/>
+          </a:prstGeom>
+          <a:noFill/>
+        </p:spPr>
+        <p:txBody>
+          <a:bodyPr wrap="square" rtlCol="0">
+            <a:spAutoFit/>
+          </a:bodyPr>
+          <a:lstStyle/>
+          <a:p>
+            <a:r>
+              <a:rPr lang="nl-NL" sz="1400" dirty="0" smtClean="0">
+                <a:solidFill>
+                  <a:schemeClr val="bg1"/>
+                </a:solidFill>
+              </a:rPr>
+              <a:t>- Physical system</a:t>
+            </a:r>
+            <a:endParaRPr lang="nl-NL" sz="1400" dirty="0">
+              <a:solidFill>
+                <a:schemeClr val="bg1"/>
+              </a:solidFill>
+            </a:endParaRPr>
+          </a:p>
+          <a:p>
+            <a:r>
+              <a:rPr lang="nl-NL" sz="1400" dirty="0" smtClean="0">
+                <a:solidFill>
+                  <a:schemeClr val="bg1"/>
+                </a:solidFill>
+              </a:rPr>
+              <a:t>- Black box model</a:t>
+            </a:r>
+          </a:p>
+          <a:p>
+            <a:r>
+              <a:rPr lang="nl-NL" sz="1400" dirty="0" smtClean="0">
+                <a:solidFill>
+                  <a:schemeClr val="bg1"/>
+                </a:solidFill>
+              </a:rPr>
+              <a:t>- Simulink model</a:t>
+            </a:r>
+          </a:p>
+          <a:p>
+            <a:r>
+              <a:rPr lang="nl-NL" sz="1400" dirty="0" smtClean="0">
+                <a:solidFill>
+                  <a:schemeClr val="bg1"/>
+                </a:solidFill>
+              </a:rPr>
+              <a:t>- Linearisation</a:t>
+            </a:r>
+          </a:p>
+          <a:p>
+            <a:r>
+              <a:rPr lang="nl-NL" sz="1400" dirty="0" smtClean="0">
+                <a:solidFill>
+                  <a:schemeClr val="bg1"/>
+                </a:solidFill>
+              </a:rPr>
+              <a:t>- Parameter estimation</a:t>
+            </a:r>
+          </a:p>
+          <a:p>
+            <a:r>
+              <a:rPr lang="nl-NL" sz="1400" dirty="0" smtClean="0">
+                <a:solidFill>
+                  <a:schemeClr val="tx2">
+                    <a:lumMod val="50000"/>
+                  </a:schemeClr>
+                </a:solidFill>
+              </a:rPr>
+              <a:t>- LQR controller</a:t>
+            </a:r>
+          </a:p>
+          <a:p>
+            <a:r>
+              <a:rPr lang="nl-NL" sz="1400" dirty="0" smtClean="0">
+                <a:solidFill>
+                  <a:schemeClr val="bg1"/>
+                </a:solidFill>
+              </a:rPr>
+              <a:t>- Kalman filter</a:t>
+            </a:r>
+          </a:p>
+          <a:p>
+            <a:r>
+              <a:rPr lang="nl-NL" sz="1400" dirty="0" smtClean="0">
+                <a:solidFill>
+                  <a:schemeClr val="bg1"/>
+                </a:solidFill>
+              </a:rPr>
+              <a:t>- Simulation + visualization</a:t>
+            </a:r>
+          </a:p>
+          <a:p>
+            <a:r>
+              <a:rPr lang="nl-NL" sz="1400" dirty="0" smtClean="0">
+                <a:solidFill>
+                  <a:schemeClr val="bg1"/>
+                </a:solidFill>
+              </a:rPr>
+              <a:t>- Demo</a:t>
+            </a:r>
+          </a:p>
+        </p:txBody>
+      </p:sp>
+    </p:spTree>
+    <p:extLst>
+      <p:ext uri="{BB962C8B-B14F-4D97-AF65-F5344CB8AC3E}">
+        <p14:creationId xmlns:p14="http://schemas.microsoft.com/office/powerpoint/2010/main" val="969966981"/>
+      </p:ext>
+    </p:extLst>
+  </p:cSld>
+  <p:clrMapOvr>
+    <a:masterClrMapping/>
+  </p:clrMapOvr>
+</p:sld>
+</file>
+
+<file path=ppt/slides/slide11.xml><?xml version="1.0" encoding="utf-8"?>
+<p:sld xmlns:a="http://schemas.openxmlformats.org/drawingml/2006/main" xmlns:r="http://schemas.openxmlformats.org/officeDocument/2006/relationships" xmlns:p="http://schemas.openxmlformats.org/presentationml/2006/main">
+  <p:cSld>
+    <p:spTree>
+      <p:nvGrpSpPr>
+        <p:cNvPr id="1" name=""/>
+        <p:cNvGrpSpPr/>
+        <p:nvPr/>
+      </p:nvGrpSpPr>
+      <p:grpSpPr>
+        <a:xfrm>
+          <a:off x="0" y="0"/>
+          <a:ext cx="0" cy="0"/>
+          <a:chOff x="0" y="0"/>
+          <a:chExt cx="0" cy="0"/>
+        </a:xfrm>
+      </p:grpSpPr>
+      <p:sp>
+        <p:nvSpPr>
+          <p:cNvPr id="2" name="Title 1"/>
+          <p:cNvSpPr>
+            <a:spLocks noGrp="1"/>
+          </p:cNvSpPr>
+          <p:nvPr>
+            <p:ph type="title"/>
+          </p:nvPr>
+        </p:nvSpPr>
+        <p:spPr/>
+        <p:txBody>
+          <a:bodyPr/>
+          <a:lstStyle/>
+          <a:p>
+            <a:r>
+              <a:rPr lang="en-US" dirty="0" smtClean="0"/>
+              <a:t>Tuning the LQR Controller</a:t>
+            </a:r>
+            <a:endParaRPr lang="en-US" dirty="0"/>
+          </a:p>
+        </p:txBody>
+      </p:sp>
+      <p:sp>
+        <p:nvSpPr>
+          <p:cNvPr id="4" name="TextBox 3"/>
+          <p:cNvSpPr txBox="1"/>
+          <p:nvPr/>
+        </p:nvSpPr>
+        <p:spPr>
+          <a:xfrm>
+            <a:off x="-85346" y="3218688"/>
+            <a:ext cx="1880242" cy="2246769"/>
+          </a:xfrm>
+          <a:prstGeom prst="rect">
+            <a:avLst/>
+          </a:prstGeom>
+          <a:noFill/>
+        </p:spPr>
+        <p:txBody>
+          <a:bodyPr wrap="square" rtlCol="0">
+            <a:spAutoFit/>
+          </a:bodyPr>
+          <a:lstStyle/>
+          <a:p>
+            <a:r>
+              <a:rPr lang="nl-NL" sz="1400" dirty="0" smtClean="0">
+                <a:solidFill>
+                  <a:schemeClr val="bg1"/>
+                </a:solidFill>
+              </a:rPr>
+              <a:t>- Physical system</a:t>
+            </a:r>
+            <a:endParaRPr lang="nl-NL" sz="1400" dirty="0">
+              <a:solidFill>
+                <a:schemeClr val="bg1"/>
+              </a:solidFill>
+            </a:endParaRPr>
+          </a:p>
+          <a:p>
+            <a:r>
+              <a:rPr lang="nl-NL" sz="1400" dirty="0" smtClean="0">
+                <a:solidFill>
+                  <a:schemeClr val="bg1"/>
+                </a:solidFill>
+              </a:rPr>
+              <a:t>- Black box model</a:t>
+            </a:r>
+          </a:p>
+          <a:p>
+            <a:r>
+              <a:rPr lang="nl-NL" sz="1400" dirty="0" smtClean="0">
+                <a:solidFill>
+                  <a:schemeClr val="bg1"/>
+                </a:solidFill>
+              </a:rPr>
+              <a:t>- Simulink model</a:t>
+            </a:r>
+          </a:p>
+          <a:p>
+            <a:r>
+              <a:rPr lang="nl-NL" sz="1400" dirty="0" smtClean="0">
+                <a:solidFill>
+                  <a:schemeClr val="bg1"/>
+                </a:solidFill>
+              </a:rPr>
+              <a:t>- Linearisation</a:t>
+            </a:r>
+          </a:p>
+          <a:p>
+            <a:r>
+              <a:rPr lang="nl-NL" sz="1400" dirty="0" smtClean="0">
+                <a:solidFill>
+                  <a:schemeClr val="bg1"/>
+                </a:solidFill>
+              </a:rPr>
+              <a:t>- Parameter estimation</a:t>
+            </a:r>
+          </a:p>
+          <a:p>
+            <a:r>
+              <a:rPr lang="nl-NL" sz="1400" dirty="0" smtClean="0">
+                <a:solidFill>
+                  <a:schemeClr val="tx2">
+                    <a:lumMod val="50000"/>
+                  </a:schemeClr>
+                </a:solidFill>
+              </a:rPr>
+              <a:t>- LQR controller</a:t>
+            </a:r>
+          </a:p>
+          <a:p>
+            <a:r>
+              <a:rPr lang="nl-NL" sz="1400" dirty="0" smtClean="0">
+                <a:solidFill>
+                  <a:schemeClr val="bg1"/>
+                </a:solidFill>
+              </a:rPr>
+              <a:t>- Kalman filter</a:t>
+            </a:r>
+          </a:p>
+          <a:p>
+            <a:r>
+              <a:rPr lang="nl-NL" sz="1400" dirty="0" smtClean="0">
+                <a:solidFill>
+                  <a:schemeClr val="bg1"/>
+                </a:solidFill>
+              </a:rPr>
+              <a:t>- Simulation + visualization</a:t>
+            </a:r>
+          </a:p>
+          <a:p>
+            <a:r>
+              <a:rPr lang="nl-NL" sz="1400" dirty="0" smtClean="0">
+                <a:solidFill>
+                  <a:schemeClr val="bg1"/>
+                </a:solidFill>
+              </a:rPr>
+              <a:t>- Demo</a:t>
+            </a:r>
+          </a:p>
+        </p:txBody>
+      </p:sp>
+      <p:pic>
+        <p:nvPicPr>
+          <p:cNvPr id="6" name="Content Placeholder 5"/>
+          <p:cNvPicPr>
+            <a:picLocks noGrp="1" noChangeAspect="1"/>
+          </p:cNvPicPr>
+          <p:nvPr>
+            <p:ph idx="1"/>
+          </p:nvPr>
+        </p:nvPicPr>
+        <p:blipFill>
+          <a:blip r:embed="rId2">
+            <a:extLst>
+              <a:ext uri="{28A0092B-C50C-407E-A947-70E740481C1C}">
+                <a14:useLocalDpi xmlns:a14="http://schemas.microsoft.com/office/drawing/2010/main" val="0"/>
+              </a:ext>
+            </a:extLst>
+          </a:blip>
+          <a:stretch>
+            <a:fillRect/>
+          </a:stretch>
+        </p:blipFill>
+        <p:spPr>
+          <a:xfrm>
+            <a:off x="1763713" y="1670357"/>
+            <a:ext cx="7105650" cy="4507885"/>
+          </a:xfrm>
+        </p:spPr>
+      </p:pic>
+    </p:spTree>
+    <p:extLst>
+      <p:ext uri="{BB962C8B-B14F-4D97-AF65-F5344CB8AC3E}">
+        <p14:creationId xmlns:p14="http://schemas.microsoft.com/office/powerpoint/2010/main" val="1877786027"/>
+      </p:ext>
+    </p:extLst>
+  </p:cSld>
+  <p:clrMapOvr>
+    <a:masterClrMapping/>
+  </p:clrMapOvr>
+</p:sld>
+</file>
+
+<file path=ppt/slides/slide12.xml><?xml version="1.0" encoding="utf-8"?>
+<p:sld xmlns:a="http://schemas.openxmlformats.org/drawingml/2006/main" xmlns:r="http://schemas.openxmlformats.org/officeDocument/2006/relationships" xmlns:p="http://schemas.openxmlformats.org/presentationml/2006/main">
+  <p:cSld>
+    <p:spTree>
+      <p:nvGrpSpPr>
+        <p:cNvPr id="1" name=""/>
+        <p:cNvGrpSpPr/>
+        <p:nvPr/>
+      </p:nvGrpSpPr>
+      <p:grpSpPr>
+        <a:xfrm>
+          <a:off x="0" y="0"/>
+          <a:ext cx="0" cy="0"/>
+          <a:chOff x="0" y="0"/>
+          <a:chExt cx="0" cy="0"/>
+        </a:xfrm>
+      </p:grpSpPr>
+      <p:sp>
+        <p:nvSpPr>
+          <p:cNvPr id="2" name="Title 1"/>
+          <p:cNvSpPr>
+            <a:spLocks noGrp="1"/>
+          </p:cNvSpPr>
+          <p:nvPr>
+            <p:ph type="title"/>
+          </p:nvPr>
+        </p:nvSpPr>
+        <p:spPr/>
+        <p:txBody>
+          <a:bodyPr/>
+          <a:lstStyle/>
+          <a:p>
+            <a:r>
+              <a:rPr lang="en-US" dirty="0" smtClean="0"/>
+              <a:t>Tuning the LQR Controller</a:t>
+            </a:r>
+            <a:endParaRPr lang="en-US" dirty="0"/>
+          </a:p>
+        </p:txBody>
+      </p:sp>
+      <p:sp>
+        <p:nvSpPr>
+          <p:cNvPr id="4" name="TextBox 3"/>
+          <p:cNvSpPr txBox="1"/>
+          <p:nvPr/>
+        </p:nvSpPr>
+        <p:spPr>
+          <a:xfrm>
+            <a:off x="-85346" y="3218688"/>
+            <a:ext cx="1880242" cy="2246769"/>
+          </a:xfrm>
+          <a:prstGeom prst="rect">
+            <a:avLst/>
+          </a:prstGeom>
+          <a:noFill/>
+        </p:spPr>
+        <p:txBody>
+          <a:bodyPr wrap="square" rtlCol="0">
+            <a:spAutoFit/>
+          </a:bodyPr>
+          <a:lstStyle/>
+          <a:p>
+            <a:r>
+              <a:rPr lang="nl-NL" sz="1400" dirty="0" smtClean="0">
+                <a:solidFill>
+                  <a:schemeClr val="bg1"/>
+                </a:solidFill>
+              </a:rPr>
+              <a:t>- Physical system</a:t>
+            </a:r>
+            <a:endParaRPr lang="nl-NL" sz="1400" dirty="0">
+              <a:solidFill>
+                <a:schemeClr val="bg1"/>
+              </a:solidFill>
+            </a:endParaRPr>
+          </a:p>
+          <a:p>
+            <a:r>
+              <a:rPr lang="nl-NL" sz="1400" dirty="0" smtClean="0">
+                <a:solidFill>
+                  <a:schemeClr val="bg1"/>
+                </a:solidFill>
+              </a:rPr>
+              <a:t>- Black box model</a:t>
+            </a:r>
+          </a:p>
+          <a:p>
+            <a:r>
+              <a:rPr lang="nl-NL" sz="1400" dirty="0" smtClean="0">
+                <a:solidFill>
+                  <a:schemeClr val="bg1"/>
+                </a:solidFill>
+              </a:rPr>
+              <a:t>- Simulink model</a:t>
+            </a:r>
+          </a:p>
+          <a:p>
+            <a:r>
+              <a:rPr lang="nl-NL" sz="1400" dirty="0" smtClean="0">
+                <a:solidFill>
+                  <a:schemeClr val="bg1"/>
+                </a:solidFill>
+              </a:rPr>
+              <a:t>- Linearisation</a:t>
+            </a:r>
+          </a:p>
+          <a:p>
+            <a:r>
+              <a:rPr lang="nl-NL" sz="1400" dirty="0" smtClean="0">
+                <a:solidFill>
+                  <a:schemeClr val="bg1"/>
+                </a:solidFill>
+              </a:rPr>
+              <a:t>- Parameter estimation</a:t>
+            </a:r>
+          </a:p>
+          <a:p>
+            <a:r>
+              <a:rPr lang="nl-NL" sz="1400" dirty="0" smtClean="0">
+                <a:solidFill>
+                  <a:schemeClr val="tx2">
+                    <a:lumMod val="50000"/>
+                  </a:schemeClr>
+                </a:solidFill>
+              </a:rPr>
+              <a:t>- LQR controller</a:t>
+            </a:r>
+          </a:p>
+          <a:p>
+            <a:r>
+              <a:rPr lang="nl-NL" sz="1400" dirty="0" smtClean="0">
+                <a:solidFill>
+                  <a:schemeClr val="bg1"/>
+                </a:solidFill>
+              </a:rPr>
+              <a:t>- Kalman filter</a:t>
+            </a:r>
+          </a:p>
+          <a:p>
+            <a:r>
+              <a:rPr lang="nl-NL" sz="1400" dirty="0" smtClean="0">
+                <a:solidFill>
+                  <a:schemeClr val="bg1"/>
+                </a:solidFill>
+              </a:rPr>
+              <a:t>- Simulation + visualization</a:t>
+            </a:r>
+          </a:p>
+          <a:p>
+            <a:r>
+              <a:rPr lang="nl-NL" sz="1400" dirty="0" smtClean="0">
+                <a:solidFill>
+                  <a:schemeClr val="bg1"/>
+                </a:solidFill>
+              </a:rPr>
+              <a:t>- Demo</a:t>
+            </a:r>
+          </a:p>
+        </p:txBody>
+      </p:sp>
+      <p:pic>
+        <p:nvPicPr>
+          <p:cNvPr id="5" name="Content Placeholder 4"/>
+          <p:cNvPicPr>
+            <a:picLocks noGrp="1" noChangeAspect="1"/>
+          </p:cNvPicPr>
+          <p:nvPr>
+            <p:ph idx="1"/>
+          </p:nvPr>
+        </p:nvPicPr>
+        <p:blipFill>
+          <a:blip r:embed="rId2">
+            <a:extLst>
+              <a:ext uri="{28A0092B-C50C-407E-A947-70E740481C1C}">
+                <a14:useLocalDpi xmlns:a14="http://schemas.microsoft.com/office/drawing/2010/main" val="0"/>
+              </a:ext>
+            </a:extLst>
+          </a:blip>
+          <a:stretch>
+            <a:fillRect/>
+          </a:stretch>
+        </p:blipFill>
+        <p:spPr>
+          <a:xfrm>
+            <a:off x="1882512" y="1600200"/>
+            <a:ext cx="6868052" cy="4648200"/>
+          </a:xfrm>
+        </p:spPr>
+      </p:pic>
+    </p:spTree>
+    <p:extLst>
+      <p:ext uri="{BB962C8B-B14F-4D97-AF65-F5344CB8AC3E}">
+        <p14:creationId xmlns:p14="http://schemas.microsoft.com/office/powerpoint/2010/main" val="936151106"/>
+      </p:ext>
+    </p:extLst>
+  </p:cSld>
+  <p:clrMapOvr>
+    <a:masterClrMapping/>
+  </p:clrMapOvr>
+</p:sld>
+</file>
+
+<file path=ppt/slides/slide13.xml><?xml version="1.0" encoding="utf-8"?>
+<p:sld xmlns:a="http://schemas.openxmlformats.org/drawingml/2006/main" xmlns:r="http://schemas.openxmlformats.org/officeDocument/2006/relationships" xmlns:p="http://schemas.openxmlformats.org/presentationml/2006/main">
+  <p:cSld>
+    <p:spTree>
+      <p:nvGrpSpPr>
+        <p:cNvPr id="1" name=""/>
+        <p:cNvGrpSpPr/>
+        <p:nvPr/>
+      </p:nvGrpSpPr>
+      <p:grpSpPr>
+        <a:xfrm>
+          <a:off x="0" y="0"/>
+          <a:ext cx="0" cy="0"/>
+          <a:chOff x="0" y="0"/>
+          <a:chExt cx="0" cy="0"/>
+        </a:xfrm>
+      </p:grpSpPr>
+      <p:sp>
+        <p:nvSpPr>
+          <p:cNvPr id="2" name="Title 1"/>
+          <p:cNvSpPr>
+            <a:spLocks noGrp="1"/>
+          </p:cNvSpPr>
+          <p:nvPr>
+            <p:ph type="title"/>
+          </p:nvPr>
+        </p:nvSpPr>
+        <p:spPr/>
+        <p:txBody>
+          <a:bodyPr/>
+          <a:lstStyle/>
+          <a:p>
+            <a:r>
+              <a:rPr lang="en-US" dirty="0" err="1" smtClean="0"/>
+              <a:t>Kalman</a:t>
+            </a:r>
+            <a:r>
+              <a:rPr lang="en-US" dirty="0" smtClean="0"/>
+              <a:t> observer and filter</a:t>
+            </a:r>
+            <a:endParaRPr lang="en-US" dirty="0"/>
+          </a:p>
+        </p:txBody>
+      </p:sp>
+      <p:sp>
+        <p:nvSpPr>
+          <p:cNvPr id="3" name="Content Placeholder 2"/>
+          <p:cNvSpPr>
+            <a:spLocks noGrp="1"/>
+          </p:cNvSpPr>
+          <p:nvPr>
+            <p:ph idx="1"/>
+          </p:nvPr>
+        </p:nvSpPr>
+        <p:spPr/>
+        <p:txBody>
+          <a:bodyPr/>
+          <a:lstStyle/>
+          <a:p>
+            <a:r>
+              <a:rPr lang="en-US" dirty="0" smtClean="0"/>
+              <a:t>Observer too time consuming to tune</a:t>
+            </a:r>
+          </a:p>
+          <a:p>
+            <a:r>
+              <a:rPr lang="en-US" dirty="0" smtClean="0"/>
+              <a:t>MATLAB saves the day</a:t>
+            </a:r>
+          </a:p>
+          <a:p>
+            <a:r>
+              <a:rPr lang="en-US" dirty="0" smtClean="0"/>
+              <a:t>Block filters signal and acts as observer</a:t>
+            </a:r>
+          </a:p>
+          <a:p>
+            <a:r>
+              <a:rPr lang="en-US" dirty="0" smtClean="0"/>
+              <a:t>Uses A B C D matrices</a:t>
+            </a:r>
+          </a:p>
+          <a:p>
+            <a:r>
+              <a:rPr lang="en-US" dirty="0" smtClean="0"/>
+              <a:t>Yields very low control effort </a:t>
+            </a:r>
+          </a:p>
+        </p:txBody>
+      </p:sp>
+      <p:pic>
+        <p:nvPicPr>
+          <p:cNvPr id="4" name="Picture 3"/>
+          <p:cNvPicPr>
+            <a:picLocks noChangeAspect="1"/>
+          </p:cNvPicPr>
+          <p:nvPr/>
+        </p:nvPicPr>
+        <p:blipFill>
+          <a:blip r:embed="rId2"/>
+          <a:stretch>
+            <a:fillRect/>
+          </a:stretch>
+        </p:blipFill>
+        <p:spPr>
+          <a:xfrm>
+            <a:off x="3716337" y="3683000"/>
+            <a:ext cx="2654300" cy="2006600"/>
+          </a:xfrm>
+          <a:prstGeom prst="rect">
+            <a:avLst/>
+          </a:prstGeom>
+        </p:spPr>
+      </p:pic>
+      <p:sp>
+        <p:nvSpPr>
+          <p:cNvPr id="5" name="TextBox 4"/>
+          <p:cNvSpPr txBox="1"/>
+          <p:nvPr/>
+        </p:nvSpPr>
+        <p:spPr>
+          <a:xfrm>
+            <a:off x="-85346" y="3218688"/>
+            <a:ext cx="1880242" cy="2246769"/>
+          </a:xfrm>
+          <a:prstGeom prst="rect">
+            <a:avLst/>
+          </a:prstGeom>
+          <a:noFill/>
+        </p:spPr>
+        <p:txBody>
+          <a:bodyPr wrap="square" rtlCol="0">
+            <a:spAutoFit/>
+          </a:bodyPr>
+          <a:lstStyle/>
+          <a:p>
+            <a:r>
+              <a:rPr lang="nl-NL" sz="1400" dirty="0" smtClean="0">
+                <a:solidFill>
+                  <a:schemeClr val="bg1"/>
+                </a:solidFill>
+              </a:rPr>
+              <a:t>- Physical system</a:t>
+            </a:r>
+            <a:endParaRPr lang="nl-NL" sz="1400" dirty="0">
+              <a:solidFill>
+                <a:schemeClr val="bg1"/>
+              </a:solidFill>
+            </a:endParaRPr>
+          </a:p>
+          <a:p>
+            <a:r>
+              <a:rPr lang="nl-NL" sz="1400" dirty="0" smtClean="0">
+                <a:solidFill>
+                  <a:schemeClr val="bg1"/>
+                </a:solidFill>
+              </a:rPr>
+              <a:t>- Black box model</a:t>
+            </a:r>
+          </a:p>
+          <a:p>
+            <a:r>
+              <a:rPr lang="nl-NL" sz="1400" dirty="0" smtClean="0">
+                <a:solidFill>
+                  <a:schemeClr val="bg1"/>
+                </a:solidFill>
+              </a:rPr>
+              <a:t>- Simulink model</a:t>
+            </a:r>
+          </a:p>
+          <a:p>
+            <a:r>
+              <a:rPr lang="nl-NL" sz="1400" dirty="0" smtClean="0">
+                <a:solidFill>
+                  <a:schemeClr val="bg1"/>
+                </a:solidFill>
+              </a:rPr>
+              <a:t>- Linearisation</a:t>
+            </a:r>
+          </a:p>
+          <a:p>
+            <a:r>
+              <a:rPr lang="nl-NL" sz="1400" dirty="0" smtClean="0">
+                <a:solidFill>
+                  <a:schemeClr val="bg1"/>
+                </a:solidFill>
+              </a:rPr>
+              <a:t>- Parameter estimation</a:t>
+            </a:r>
+          </a:p>
+          <a:p>
+            <a:r>
+              <a:rPr lang="nl-NL" sz="1400" dirty="0" smtClean="0">
+                <a:solidFill>
+                  <a:schemeClr val="bg1"/>
+                </a:solidFill>
+              </a:rPr>
+              <a:t>- LQR controller</a:t>
+            </a:r>
+          </a:p>
+          <a:p>
+            <a:r>
+              <a:rPr lang="nl-NL" sz="1400" dirty="0" smtClean="0">
+                <a:solidFill>
+                  <a:schemeClr val="tx2">
+                    <a:lumMod val="50000"/>
+                  </a:schemeClr>
+                </a:solidFill>
+              </a:rPr>
+              <a:t>- Kalman filter</a:t>
+            </a:r>
+          </a:p>
+          <a:p>
+            <a:r>
+              <a:rPr lang="nl-NL" sz="1400" dirty="0" smtClean="0">
+                <a:solidFill>
+                  <a:schemeClr val="bg1"/>
+                </a:solidFill>
+              </a:rPr>
+              <a:t>- Simulation + visualization</a:t>
+            </a:r>
+          </a:p>
+          <a:p>
+            <a:r>
+              <a:rPr lang="nl-NL" sz="1400" dirty="0" smtClean="0">
+                <a:solidFill>
+                  <a:schemeClr val="bg1"/>
+                </a:solidFill>
+              </a:rPr>
+              <a:t>- Demo</a:t>
+            </a:r>
+          </a:p>
+        </p:txBody>
+      </p:sp>
+    </p:spTree>
+    <p:extLst>
+      <p:ext uri="{BB962C8B-B14F-4D97-AF65-F5344CB8AC3E}">
+        <p14:creationId xmlns:p14="http://schemas.microsoft.com/office/powerpoint/2010/main" val="225780137"/>
+      </p:ext>
+    </p:extLst>
+  </p:cSld>
+  <p:clrMapOvr>
+    <a:masterClrMapping/>
+  </p:clrMapOvr>
+</p:sld>
+</file>
+
+<file path=ppt/slides/slide14.xml><?xml version="1.0" encoding="utf-8"?>
+<p:sld xmlns:a="http://schemas.openxmlformats.org/drawingml/2006/main" xmlns:r="http://schemas.openxmlformats.org/officeDocument/2006/relationships" xmlns:p="http://schemas.openxmlformats.org/presentationml/2006/main">
+  <p:cSld>
+    <p:spTree>
+      <p:nvGrpSpPr>
+        <p:cNvPr id="1" name=""/>
+        <p:cNvGrpSpPr/>
+        <p:nvPr/>
+      </p:nvGrpSpPr>
+      <p:grpSpPr>
+        <a:xfrm>
+          <a:off x="0" y="0"/>
+          <a:ext cx="0" cy="0"/>
+          <a:chOff x="0" y="0"/>
+          <a:chExt cx="0" cy="0"/>
+        </a:xfrm>
+      </p:grpSpPr>
+      <p:sp>
+        <p:nvSpPr>
+          <p:cNvPr id="2" name="Title 1"/>
+          <p:cNvSpPr>
+            <a:spLocks noGrp="1"/>
+          </p:cNvSpPr>
+          <p:nvPr>
+            <p:ph type="title"/>
+          </p:nvPr>
+        </p:nvSpPr>
+        <p:spPr/>
+        <p:txBody>
+          <a:bodyPr/>
+          <a:lstStyle/>
+          <a:p>
+            <a:r>
+              <a:rPr lang="en-US" dirty="0" err="1"/>
+              <a:t>Kalman</a:t>
+            </a:r>
+            <a:r>
+              <a:rPr lang="en-US" dirty="0"/>
+              <a:t> observer and filter</a:t>
+            </a:r>
+          </a:p>
+        </p:txBody>
+      </p:sp>
+      <p:pic>
+        <p:nvPicPr>
+          <p:cNvPr id="5" name="Content Placeholder 4"/>
+          <p:cNvPicPr>
+            <a:picLocks noGrp="1" noChangeAspect="1"/>
+          </p:cNvPicPr>
+          <p:nvPr>
+            <p:ph idx="1"/>
+          </p:nvPr>
+        </p:nvPicPr>
+        <p:blipFill rotWithShape="1">
+          <a:blip r:embed="rId3">
+            <a:extLst>
+              <a:ext uri="{28A0092B-C50C-407E-A947-70E740481C1C}">
+                <a14:useLocalDpi xmlns:a14="http://schemas.microsoft.com/office/drawing/2010/main" val="0"/>
+              </a:ext>
+            </a:extLst>
+          </a:blip>
+          <a:srcRect l="6503" t="4646" r="7743" b="5278"/>
+          <a:stretch/>
+        </p:blipFill>
+        <p:spPr>
+          <a:xfrm>
+            <a:off x="1957381" y="1143000"/>
+            <a:ext cx="6746482" cy="5314949"/>
+          </a:xfrm>
+        </p:spPr>
+      </p:pic>
+      <p:sp>
+        <p:nvSpPr>
+          <p:cNvPr id="7" name="TextBox 6"/>
+          <p:cNvSpPr txBox="1"/>
+          <p:nvPr/>
+        </p:nvSpPr>
+        <p:spPr>
+          <a:xfrm>
+            <a:off x="-85346" y="3218688"/>
+            <a:ext cx="1880242" cy="2246769"/>
+          </a:xfrm>
+          <a:prstGeom prst="rect">
+            <a:avLst/>
+          </a:prstGeom>
+          <a:noFill/>
+        </p:spPr>
+        <p:txBody>
+          <a:bodyPr wrap="square" rtlCol="0">
+            <a:spAutoFit/>
+          </a:bodyPr>
+          <a:lstStyle/>
+          <a:p>
+            <a:r>
+              <a:rPr lang="nl-NL" sz="1400" dirty="0" smtClean="0">
+                <a:solidFill>
+                  <a:schemeClr val="bg1"/>
+                </a:solidFill>
+              </a:rPr>
+              <a:t>- Physical system</a:t>
+            </a:r>
+            <a:endParaRPr lang="nl-NL" sz="1400" dirty="0">
+              <a:solidFill>
+                <a:schemeClr val="bg1"/>
+              </a:solidFill>
+            </a:endParaRPr>
+          </a:p>
+          <a:p>
+            <a:r>
+              <a:rPr lang="nl-NL" sz="1400" dirty="0" smtClean="0">
+                <a:solidFill>
+                  <a:schemeClr val="bg1"/>
+                </a:solidFill>
+              </a:rPr>
+              <a:t>- Black box model</a:t>
+            </a:r>
+          </a:p>
+          <a:p>
+            <a:r>
+              <a:rPr lang="nl-NL" sz="1400" dirty="0" smtClean="0">
+                <a:solidFill>
+                  <a:schemeClr val="bg1"/>
+                </a:solidFill>
+              </a:rPr>
+              <a:t>- Simulink model</a:t>
+            </a:r>
+          </a:p>
+          <a:p>
+            <a:r>
+              <a:rPr lang="nl-NL" sz="1400" dirty="0" smtClean="0">
+                <a:solidFill>
+                  <a:schemeClr val="bg1"/>
+                </a:solidFill>
+              </a:rPr>
+              <a:t>- Linearisation</a:t>
+            </a:r>
+          </a:p>
+          <a:p>
+            <a:r>
+              <a:rPr lang="nl-NL" sz="1400" dirty="0" smtClean="0">
+                <a:solidFill>
+                  <a:schemeClr val="bg1"/>
+                </a:solidFill>
+              </a:rPr>
+              <a:t>- Parameter estimation</a:t>
+            </a:r>
+          </a:p>
+          <a:p>
+            <a:r>
+              <a:rPr lang="nl-NL" sz="1400" dirty="0" smtClean="0">
+                <a:solidFill>
+                  <a:schemeClr val="bg1"/>
+                </a:solidFill>
+              </a:rPr>
+              <a:t>- LQR controller</a:t>
+            </a:r>
+          </a:p>
+          <a:p>
+            <a:r>
+              <a:rPr lang="nl-NL" sz="1400" dirty="0" smtClean="0">
+                <a:solidFill>
+                  <a:schemeClr val="tx2">
+                    <a:lumMod val="50000"/>
+                  </a:schemeClr>
+                </a:solidFill>
+              </a:rPr>
+              <a:t>- Kalman filter</a:t>
+            </a:r>
+          </a:p>
+          <a:p>
+            <a:r>
+              <a:rPr lang="nl-NL" sz="1400" dirty="0" smtClean="0">
+                <a:solidFill>
+                  <a:schemeClr val="bg1"/>
+                </a:solidFill>
+              </a:rPr>
+              <a:t>- Simulation + visualization</a:t>
+            </a:r>
+          </a:p>
+          <a:p>
+            <a:r>
+              <a:rPr lang="nl-NL" sz="1400" dirty="0" smtClean="0">
+                <a:solidFill>
+                  <a:schemeClr val="bg1"/>
+                </a:solidFill>
+              </a:rPr>
+              <a:t>- Demo</a:t>
+            </a:r>
+          </a:p>
+        </p:txBody>
+      </p:sp>
+    </p:spTree>
+    <p:extLst>
+      <p:ext uri="{BB962C8B-B14F-4D97-AF65-F5344CB8AC3E}">
+        <p14:creationId xmlns:p14="http://schemas.microsoft.com/office/powerpoint/2010/main" val="321758515"/>
+      </p:ext>
+    </p:extLst>
+  </p:cSld>
+  <p:clrMapOvr>
+    <a:masterClrMapping/>
+  </p:clrMapOvr>
+</p:sld>
+</file>
+
+<file path=ppt/slides/slide15.xml><?xml version="1.0" encoding="utf-8"?>
+<p:sld xmlns:a="http://schemas.openxmlformats.org/drawingml/2006/main" xmlns:r="http://schemas.openxmlformats.org/officeDocument/2006/relationships" xmlns:p="http://schemas.openxmlformats.org/presentationml/2006/main">
+  <p:cSld>
+    <p:spTree>
+      <p:nvGrpSpPr>
+        <p:cNvPr id="1" name=""/>
+        <p:cNvGrpSpPr/>
+        <p:nvPr/>
+      </p:nvGrpSpPr>
+      <p:grpSpPr>
+        <a:xfrm>
+          <a:off x="0" y="0"/>
+          <a:ext cx="0" cy="0"/>
+          <a:chOff x="0" y="0"/>
+          <a:chExt cx="0" cy="0"/>
+        </a:xfrm>
+      </p:grpSpPr>
+      <p:sp>
+        <p:nvSpPr>
+          <p:cNvPr id="2" name="Title 1"/>
+          <p:cNvSpPr>
+            <a:spLocks noGrp="1"/>
+          </p:cNvSpPr>
+          <p:nvPr>
+            <p:ph type="title"/>
+          </p:nvPr>
+        </p:nvSpPr>
+        <p:spPr/>
+        <p:txBody>
+          <a:bodyPr/>
+          <a:lstStyle/>
+          <a:p>
+            <a:r>
+              <a:rPr lang="en-US" dirty="0" err="1"/>
+              <a:t>Kalman</a:t>
+            </a:r>
+            <a:r>
+              <a:rPr lang="en-US" dirty="0"/>
+              <a:t> observer and filter</a:t>
+            </a:r>
+          </a:p>
+        </p:txBody>
+      </p:sp>
+      <p:sp>
+        <p:nvSpPr>
+          <p:cNvPr id="7" name="TextBox 6"/>
+          <p:cNvSpPr txBox="1"/>
+          <p:nvPr/>
+        </p:nvSpPr>
+        <p:spPr>
+          <a:xfrm>
+            <a:off x="-85346" y="3218688"/>
+            <a:ext cx="1880242" cy="2246769"/>
+          </a:xfrm>
+          <a:prstGeom prst="rect">
+            <a:avLst/>
+          </a:prstGeom>
+          <a:noFill/>
+        </p:spPr>
+        <p:txBody>
+          <a:bodyPr wrap="square" rtlCol="0">
+            <a:spAutoFit/>
+          </a:bodyPr>
+          <a:lstStyle/>
+          <a:p>
+            <a:r>
+              <a:rPr lang="nl-NL" sz="1400" dirty="0" smtClean="0">
+                <a:solidFill>
+                  <a:schemeClr val="bg1"/>
+                </a:solidFill>
+              </a:rPr>
+              <a:t>- Physical system</a:t>
+            </a:r>
+            <a:endParaRPr lang="nl-NL" sz="1400" dirty="0">
+              <a:solidFill>
+                <a:schemeClr val="bg1"/>
+              </a:solidFill>
+            </a:endParaRPr>
+          </a:p>
+          <a:p>
+            <a:r>
+              <a:rPr lang="nl-NL" sz="1400" dirty="0" smtClean="0">
+                <a:solidFill>
+                  <a:schemeClr val="bg1"/>
+                </a:solidFill>
+              </a:rPr>
+              <a:t>- Black box model</a:t>
+            </a:r>
+          </a:p>
+          <a:p>
+            <a:r>
+              <a:rPr lang="nl-NL" sz="1400" dirty="0" smtClean="0">
+                <a:solidFill>
+                  <a:schemeClr val="bg1"/>
+                </a:solidFill>
+              </a:rPr>
+              <a:t>- Simulink model</a:t>
+            </a:r>
+          </a:p>
+          <a:p>
+            <a:r>
+              <a:rPr lang="nl-NL" sz="1400" dirty="0" smtClean="0">
+                <a:solidFill>
+                  <a:schemeClr val="bg1"/>
+                </a:solidFill>
+              </a:rPr>
+              <a:t>- Linearisation</a:t>
+            </a:r>
+          </a:p>
+          <a:p>
+            <a:r>
+              <a:rPr lang="nl-NL" sz="1400" dirty="0" smtClean="0">
+                <a:solidFill>
+                  <a:schemeClr val="bg1"/>
+                </a:solidFill>
+              </a:rPr>
+              <a:t>- Parameter estimation</a:t>
+            </a:r>
+          </a:p>
+          <a:p>
+            <a:r>
+              <a:rPr lang="nl-NL" sz="1400" dirty="0" smtClean="0">
+                <a:solidFill>
+                  <a:schemeClr val="bg1"/>
+                </a:solidFill>
+              </a:rPr>
+              <a:t>- LQR controller</a:t>
+            </a:r>
+          </a:p>
+          <a:p>
+            <a:r>
+              <a:rPr lang="nl-NL" sz="1400" dirty="0" smtClean="0">
+                <a:solidFill>
+                  <a:schemeClr val="tx2">
+                    <a:lumMod val="50000"/>
+                  </a:schemeClr>
+                </a:solidFill>
+              </a:rPr>
+              <a:t>- Kalman filter</a:t>
+            </a:r>
+          </a:p>
+          <a:p>
+            <a:r>
+              <a:rPr lang="nl-NL" sz="1400" dirty="0" smtClean="0">
+                <a:solidFill>
+                  <a:schemeClr val="bg1"/>
+                </a:solidFill>
+              </a:rPr>
+              <a:t>- Simulation + visualization</a:t>
+            </a:r>
+          </a:p>
+          <a:p>
+            <a:r>
+              <a:rPr lang="nl-NL" sz="1400" dirty="0" smtClean="0">
+                <a:solidFill>
+                  <a:schemeClr val="bg1"/>
+                </a:solidFill>
+              </a:rPr>
+              <a:t>- Demo</a:t>
+            </a:r>
+          </a:p>
+        </p:txBody>
+      </p:sp>
+      <p:pic>
+        <p:nvPicPr>
+          <p:cNvPr id="4" name="Content Placeholder 3"/>
+          <p:cNvPicPr>
+            <a:picLocks noGrp="1" noChangeAspect="1"/>
+          </p:cNvPicPr>
+          <p:nvPr>
+            <p:ph idx="1"/>
+          </p:nvPr>
+        </p:nvPicPr>
+        <p:blipFill>
+          <a:blip r:embed="rId3">
+            <a:extLst>
+              <a:ext uri="{28A0092B-C50C-407E-A947-70E740481C1C}">
+                <a14:useLocalDpi xmlns:a14="http://schemas.microsoft.com/office/drawing/2010/main" val="0"/>
+              </a:ext>
+            </a:extLst>
+          </a:blip>
+          <a:stretch>
+            <a:fillRect/>
+          </a:stretch>
+        </p:blipFill>
+        <p:spPr>
+          <a:xfrm>
+            <a:off x="2217738" y="1600200"/>
+            <a:ext cx="6197600" cy="4648200"/>
+          </a:xfrm>
+        </p:spPr>
+      </p:pic>
+    </p:spTree>
+    <p:extLst>
+      <p:ext uri="{BB962C8B-B14F-4D97-AF65-F5344CB8AC3E}">
+        <p14:creationId xmlns:p14="http://schemas.microsoft.com/office/powerpoint/2010/main" val="10912193"/>
+      </p:ext>
+    </p:extLst>
+  </p:cSld>
+  <p:clrMapOvr>
+    <a:masterClrMapping/>
+  </p:clrMapOvr>
+</p:sld>
+</file>
+
+<file path=ppt/slides/slide16.xml><?xml version="1.0" encoding="utf-8"?>
+<p:sld xmlns:a="http://schemas.openxmlformats.org/drawingml/2006/main" xmlns:r="http://schemas.openxmlformats.org/officeDocument/2006/relationships" xmlns:p="http://schemas.openxmlformats.org/presentationml/2006/main">
+  <p:cSld>
+    <p:spTree>
+      <p:nvGrpSpPr>
+        <p:cNvPr id="1" name=""/>
+        <p:cNvGrpSpPr/>
+        <p:nvPr/>
+      </p:nvGrpSpPr>
+      <p:grpSpPr>
+        <a:xfrm>
+          <a:off x="0" y="0"/>
+          <a:ext cx="0" cy="0"/>
+          <a:chOff x="0" y="0"/>
+          <a:chExt cx="0" cy="0"/>
+        </a:xfrm>
+      </p:grpSpPr>
+      <p:sp>
+        <p:nvSpPr>
+          <p:cNvPr id="2" name="Title 1"/>
+          <p:cNvSpPr>
+            <a:spLocks noGrp="1"/>
+          </p:cNvSpPr>
+          <p:nvPr>
+            <p:ph type="title"/>
+          </p:nvPr>
+        </p:nvSpPr>
+        <p:spPr/>
+        <p:txBody>
+          <a:bodyPr/>
+          <a:lstStyle/>
+          <a:p>
+            <a:r>
+              <a:rPr lang="en-US" dirty="0" smtClean="0"/>
+              <a:t>Simulation and Visualization Demo</a:t>
+            </a:r>
+            <a:endParaRPr lang="en-US" dirty="0"/>
+          </a:p>
+        </p:txBody>
+      </p:sp>
+      <p:sp>
+        <p:nvSpPr>
+          <p:cNvPr id="7" name="TextBox 6"/>
+          <p:cNvSpPr txBox="1"/>
+          <p:nvPr/>
+        </p:nvSpPr>
+        <p:spPr>
+          <a:xfrm>
+            <a:off x="-85346" y="3218688"/>
+            <a:ext cx="1880242" cy="2246769"/>
+          </a:xfrm>
+          <a:prstGeom prst="rect">
+            <a:avLst/>
+          </a:prstGeom>
+          <a:noFill/>
+        </p:spPr>
+        <p:txBody>
+          <a:bodyPr wrap="square" rtlCol="0">
+            <a:spAutoFit/>
+          </a:bodyPr>
+          <a:lstStyle/>
+          <a:p>
+            <a:r>
+              <a:rPr lang="nl-NL" sz="1400" dirty="0" smtClean="0">
+                <a:solidFill>
+                  <a:schemeClr val="bg1"/>
+                </a:solidFill>
+              </a:rPr>
+              <a:t>- Physical system</a:t>
+            </a:r>
+            <a:endParaRPr lang="nl-NL" sz="1400" dirty="0">
+              <a:solidFill>
+                <a:schemeClr val="bg1"/>
+              </a:solidFill>
+            </a:endParaRPr>
+          </a:p>
+          <a:p>
+            <a:r>
+              <a:rPr lang="nl-NL" sz="1400" dirty="0" smtClean="0">
+                <a:solidFill>
+                  <a:schemeClr val="bg1"/>
+                </a:solidFill>
+              </a:rPr>
+              <a:t>- Black box model</a:t>
+            </a:r>
+          </a:p>
+          <a:p>
+            <a:r>
+              <a:rPr lang="nl-NL" sz="1400" dirty="0" smtClean="0">
+                <a:solidFill>
+                  <a:schemeClr val="bg1"/>
+                </a:solidFill>
+              </a:rPr>
+              <a:t>- Simulink model</a:t>
+            </a:r>
+          </a:p>
+          <a:p>
+            <a:r>
+              <a:rPr lang="nl-NL" sz="1400" dirty="0" smtClean="0">
+                <a:solidFill>
+                  <a:schemeClr val="bg1"/>
+                </a:solidFill>
+              </a:rPr>
+              <a:t>- Linearisation</a:t>
+            </a:r>
+          </a:p>
+          <a:p>
+            <a:r>
+              <a:rPr lang="nl-NL" sz="1400" dirty="0" smtClean="0">
+                <a:solidFill>
+                  <a:schemeClr val="bg1"/>
+                </a:solidFill>
+              </a:rPr>
+              <a:t>- Parameter estimation</a:t>
+            </a:r>
+          </a:p>
+          <a:p>
+            <a:r>
+              <a:rPr lang="nl-NL" sz="1400" dirty="0" smtClean="0">
+                <a:solidFill>
+                  <a:schemeClr val="bg1"/>
+                </a:solidFill>
+              </a:rPr>
+              <a:t>- LQR controller</a:t>
+            </a:r>
+          </a:p>
+          <a:p>
+            <a:r>
+              <a:rPr lang="nl-NL" sz="1400" dirty="0" smtClean="0">
+                <a:solidFill>
+                  <a:schemeClr val="bg1"/>
+                </a:solidFill>
+              </a:rPr>
+              <a:t>- Kalman filter</a:t>
+            </a:r>
+          </a:p>
+          <a:p>
+            <a:r>
+              <a:rPr lang="nl-NL" sz="1400" dirty="0" smtClean="0">
+                <a:solidFill>
+                  <a:schemeClr val="tx2">
+                    <a:lumMod val="50000"/>
+                  </a:schemeClr>
+                </a:solidFill>
+              </a:rPr>
+              <a:t>- Simulation + visualization</a:t>
+            </a:r>
+          </a:p>
+          <a:p>
+            <a:r>
+              <a:rPr lang="nl-NL" sz="1400" dirty="0" smtClean="0">
+                <a:solidFill>
+                  <a:schemeClr val="bg1"/>
+                </a:solidFill>
+              </a:rPr>
+              <a:t>- Demo</a:t>
+            </a:r>
+          </a:p>
+        </p:txBody>
+      </p:sp>
+    </p:spTree>
+    <p:extLst>
+      <p:ext uri="{BB962C8B-B14F-4D97-AF65-F5344CB8AC3E}">
+        <p14:creationId xmlns:p14="http://schemas.microsoft.com/office/powerpoint/2010/main" val="1474459866"/>
+      </p:ext>
+    </p:extLst>
+  </p:cSld>
+  <p:clrMapOvr>
+    <a:masterClrMapping/>
+  </p:clrMapOvr>
+</p:sld>
+</file>
+
 <file path=ppt/slides/slide2.xml><?xml version="1.0" encoding="utf-8"?>
 <p:sld xmlns:a="http://schemas.openxmlformats.org/drawingml/2006/main" xmlns:r="http://schemas.openxmlformats.org/officeDocument/2006/relationships" xmlns:p="http://schemas.openxmlformats.org/presentationml/2006/main">
   <p:cSld>
@@ -6328,13 +8095,8 @@
             </a:pPr>
             <a:r>
               <a:rPr lang="en-US" dirty="0" smtClean="0"/>
-              <a:t>A lot of </a:t>
-            </a:r>
-            <a:r>
-              <a:rPr lang="en-US" dirty="0" smtClean="0"/>
-              <a:t>backlash in the system. Backlash is caused by distance between the overlapping teeth of gears.</a:t>
-            </a:r>
-            <a:endParaRPr lang="en-US" dirty="0" smtClean="0"/>
+              <a:t>A lot of backlash in the system. Backlash is caused by distance between the overlapping teeth of gears.</a:t>
+            </a:r>
           </a:p>
           <a:p>
             <a:pPr>
@@ -6428,17 +8190,7 @@
                   </a:schemeClr>
                 </a:solidFill>
               </a:rPr>
-              <a:t>- </a:t>
-            </a:r>
-            <a:r>
-              <a:rPr lang="nl-NL" sz="1400" dirty="0" smtClean="0">
-                <a:solidFill>
-                  <a:schemeClr val="tx2">
-                    <a:lumMod val="50000"/>
-                  </a:schemeClr>
-                </a:solidFill>
-              </a:rPr>
-              <a:t>Physical system</a:t>
+              <a:t>- Physical system</a:t>
             </a:r>
             <a:endParaRPr lang="nl-NL" sz="1400" dirty="0">
               <a:solidFill>
@@ -6455,21 +8207,18 @@
                   <a:schemeClr val="bg1"/>
                 </a:solidFill>
               </a:rPr>
-              <a:t>- </a:t>
-            </a:r>
+              <a:t>- Black box model</a:t>
+            </a:r>
+          </a:p>
+          <a:p>
             <a:r>
               <a:rPr lang="nl-NL" sz="1400" dirty="0" smtClean="0">
                 <a:solidFill>
                   <a:schemeClr val="bg1"/>
                 </a:solidFill>
               </a:rPr>
-              <a:t>Black box model</a:t>
-            </a:r>
-            <a:endParaRPr lang="nl-NL" sz="1400" dirty="0" smtClean="0">
-              <a:solidFill>
-                <a:schemeClr val="bg1"/>
-              </a:solidFill>
-            </a:endParaRPr>
+              <a:t>- Simulink model</a:t>
+            </a:r>
           </a:p>
           <a:p>
             <a:r>
@@ -6478,7 +8227,7 @@
                   <a:schemeClr val="bg1"/>
                 </a:solidFill>
               </a:rPr>
-              <a:t>- Simulink model</a:t>
+              <a:t>- Linearisation</a:t>
             </a:r>
           </a:p>
           <a:p>
@@ -6488,13 +8237,8 @@
                   <a:schemeClr val="bg1"/>
                 </a:solidFill>
               </a:rPr>
-              <a:t>- Linearisation</a:t>
-            </a:r>
-            <a:endParaRPr lang="nl-NL" sz="1400" dirty="0" smtClean="0">
-              <a:solidFill>
-                <a:schemeClr val="bg1"/>
-              </a:solidFill>
-            </a:endParaRPr>
+              <a:t>- Parameter estimation</a:t>
+            </a:r>
           </a:p>
           <a:p>
             <a:r>
@@ -6503,7 +8247,7 @@
                   <a:schemeClr val="bg1"/>
                 </a:solidFill>
               </a:rPr>
-              <a:t>- Parameter estimation</a:t>
+              <a:t>- LQR controller</a:t>
             </a:r>
           </a:p>
           <a:p>
@@ -6513,7 +8257,7 @@
                   <a:schemeClr val="bg1"/>
                 </a:solidFill>
               </a:rPr>
-              <a:t>- LQR controller</a:t>
+              <a:t>- Kalman filter</a:t>
             </a:r>
           </a:p>
           <a:p>
@@ -6523,7 +8267,7 @@
                   <a:schemeClr val="bg1"/>
                 </a:solidFill>
               </a:rPr>
-              <a:t>- Kalman filter</a:t>
+              <a:t>- Simulation + visualization</a:t>
             </a:r>
           </a:p>
           <a:p>
@@ -6533,23 +8277,8 @@
                   <a:schemeClr val="bg1"/>
                 </a:solidFill>
               </a:rPr>
-              <a:t>- Simulation + visualization</a:t>
-            </a:r>
-          </a:p>
-          <a:p>
-            <a:r>
-              <a:rPr lang="nl-NL" sz="1400" dirty="0" smtClean="0">
-                <a:solidFill>
-                  <a:schemeClr val="bg1"/>
-                </a:solidFill>
-              </a:rPr>
               <a:t>- Demo</a:t>
             </a:r>
-            <a:endParaRPr lang="nl-NL" sz="1400" dirty="0" smtClean="0">
-              <a:solidFill>
-                <a:schemeClr val="bg1"/>
-              </a:solidFill>
-            </a:endParaRPr>
           </a:p>
         </p:txBody>
       </p:sp>
@@ -6690,15 +8419,7 @@
                   <a:schemeClr val="bg1"/>
                 </a:solidFill>
               </a:rPr>
-              <a:t>- </a:t>
-            </a:r>
-            <a:r>
-              <a:rPr lang="nl-NL" sz="1400" dirty="0" smtClean="0">
-                <a:solidFill>
-                  <a:schemeClr val="bg1"/>
-                </a:solidFill>
-              </a:rPr>
-              <a:t>Physical system</a:t>
+              <a:t>- Physical system</a:t>
             </a:r>
             <a:endParaRPr lang="nl-NL" sz="1400" dirty="0">
               <a:solidFill>
@@ -6715,25 +8436,8 @@
                   </a:schemeClr>
                 </a:solidFill>
               </a:rPr>
-              <a:t>- </a:t>
-            </a:r>
-            <a:r>
-              <a:rPr lang="nl-NL" sz="1400" dirty="0" smtClean="0">
-                <a:solidFill>
-                  <a:schemeClr val="tx2">
-                    <a:lumMod val="50000"/>
-                  </a:schemeClr>
-                </a:solidFill>
-              </a:rPr>
-              <a:t>Black box model</a:t>
-            </a:r>
-            <a:endParaRPr lang="nl-NL" sz="1400" dirty="0" smtClean="0">
-              <a:solidFill>
-                <a:schemeClr val="tx2">
-                  <a:lumMod val="50000"/>
-                </a:schemeClr>
-              </a:solidFill>
-            </a:endParaRPr>
+              <a:t>- Black box model</a:t>
+            </a:r>
           </a:p>
           <a:p>
             <a:r>
@@ -6754,11 +8458,6 @@
               </a:rPr>
               <a:t>- Linearisation</a:t>
             </a:r>
-            <a:endParaRPr lang="nl-NL" sz="1400" dirty="0" smtClean="0">
-              <a:solidFill>
-                <a:schemeClr val="bg1"/>
-              </a:solidFill>
-            </a:endParaRPr>
           </a:p>
           <a:p>
             <a:r>
@@ -6809,11 +8508,6 @@
               </a:rPr>
               <a:t>- Demo</a:t>
             </a:r>
-            <a:endParaRPr lang="nl-NL" sz="1400" dirty="0" smtClean="0">
-              <a:solidFill>
-                <a:schemeClr val="bg1"/>
-              </a:solidFill>
-            </a:endParaRPr>
           </a:p>
         </p:txBody>
       </p:sp>
@@ -6964,15 +8658,7 @@
                   <a:schemeClr val="bg1"/>
                 </a:solidFill>
               </a:rPr>
-              <a:t>- </a:t>
-            </a:r>
-            <a:r>
-              <a:rPr lang="nl-NL" sz="1400" dirty="0" smtClean="0">
-                <a:solidFill>
-                  <a:schemeClr val="bg1"/>
-                </a:solidFill>
-              </a:rPr>
-              <a:t>Physical system</a:t>
+              <a:t>- Physical system</a:t>
             </a:r>
             <a:endParaRPr lang="nl-NL" sz="1400" dirty="0">
               <a:solidFill>
@@ -6989,25 +8675,8 @@
                   </a:schemeClr>
                 </a:solidFill>
               </a:rPr>
-              <a:t>- </a:t>
-            </a:r>
-            <a:r>
-              <a:rPr lang="nl-NL" sz="1400" dirty="0" smtClean="0">
-                <a:solidFill>
-                  <a:schemeClr val="tx2">
-                    <a:lumMod val="50000"/>
-                  </a:schemeClr>
-                </a:solidFill>
-              </a:rPr>
-              <a:t>Black box model</a:t>
-            </a:r>
-            <a:endParaRPr lang="nl-NL" sz="1400" dirty="0" smtClean="0">
-              <a:solidFill>
-                <a:schemeClr val="tx2">
-                  <a:lumMod val="50000"/>
-                </a:schemeClr>
-              </a:solidFill>
-            </a:endParaRPr>
+              <a:t>- Black box model</a:t>
+            </a:r>
           </a:p>
           <a:p>
             <a:r>
@@ -7028,11 +8697,6 @@
               </a:rPr>
               <a:t>- Linearisation</a:t>
             </a:r>
-            <a:endParaRPr lang="nl-NL" sz="1400" dirty="0" smtClean="0">
-              <a:solidFill>
-                <a:schemeClr val="bg1"/>
-              </a:solidFill>
-            </a:endParaRPr>
           </a:p>
           <a:p>
             <a:r>
@@ -7083,11 +8747,6 @@
               </a:rPr>
               <a:t>- Demo</a:t>
             </a:r>
-            <a:endParaRPr lang="nl-NL" sz="1400" dirty="0" smtClean="0">
-              <a:solidFill>
-                <a:schemeClr val="bg1"/>
-              </a:solidFill>
-            </a:endParaRPr>
           </a:p>
         </p:txBody>
       </p:sp>
@@ -7289,7 +8948,7 @@
           <a:lstStyle/>
           <a:p>
             <a:r>
-              <a:rPr lang="nl-NL" dirty="0" smtClean="0"/>
+              <a:rPr lang="nl-NL" dirty="0" err="1" smtClean="0"/>
               <a:t>Linearisation</a:t>
             </a:r>
             <a:endParaRPr lang="nl-NL" dirty="0"/>
@@ -7312,8 +8971,16 @@
           <a:lstStyle/>
           <a:p>
             <a:r>
+              <a:rPr lang="nl-NL" dirty="0" err="1" smtClean="0"/>
+              <a:t>Linearisation</a:t>
+            </a:r>
+            <a:r>
               <a:rPr lang="nl-NL" dirty="0" smtClean="0"/>
-              <a:t>Linearisation made by use of </a:t>
+              <a:t> </a:t>
+            </a:r>
+            <a:r>
+              <a:rPr lang="nl-NL" dirty="0" smtClean="0"/>
+              <a:t>made by use of </a:t>
             </a:r>
             <a:r>
               <a:rPr lang="nl-NL" i="1" dirty="0" smtClean="0"/>
@@ -7321,11 +8988,7 @@
             </a:r>
             <a:r>
               <a:rPr lang="nl-NL" dirty="0" smtClean="0"/>
-              <a:t> in Matlab and by </a:t>
-            </a:r>
-            <a:r>
-              <a:rPr lang="nl-NL" dirty="0" smtClean="0"/>
-              <a:t>hand.</a:t>
+              <a:t> in Matlab and by hand.</a:t>
             </a:r>
           </a:p>
           <a:p>
@@ -7333,16 +8996,11 @@
               <a:rPr lang="nl-NL" dirty="0" smtClean="0"/>
               <a:t>Defined operating point and input and output ports</a:t>
             </a:r>
-            <a:endParaRPr lang="nl-NL" dirty="0" smtClean="0"/>
           </a:p>
           <a:p>
             <a:r>
               <a:rPr lang="nl-NL" dirty="0" smtClean="0"/>
-              <a:t>Did not give exactly the same result, but did give the same eigenvalues. So linearisation </a:t>
-            </a:r>
-            <a:r>
-              <a:rPr lang="nl-NL" dirty="0" smtClean="0"/>
-              <a:t>by </a:t>
+              <a:t>Did not give exactly the same result, but did give the same eigenvalues. So linearisation by </a:t>
             </a:r>
             <a:r>
               <a:rPr lang="nl-NL" i="1" dirty="0" smtClean="0"/>
@@ -7350,17 +9008,8 @@
             </a:r>
             <a:r>
               <a:rPr lang="nl-NL" dirty="0" smtClean="0"/>
-              <a:t> </a:t>
-            </a:r>
-            <a:r>
-              <a:rPr lang="nl-NL" dirty="0" smtClean="0"/>
-              <a:t>was verified</a:t>
-            </a:r>
-            <a:r>
-              <a:rPr lang="nl-NL" dirty="0" smtClean="0"/>
-              <a:t>.</a:t>
-            </a:r>
-            <a:endParaRPr lang="nl-NL" dirty="0" smtClean="0"/>
+              <a:t> was verified.</a:t>
+            </a:r>
           </a:p>
         </p:txBody>
       </p:sp>
@@ -7392,15 +9041,7 @@
                   <a:schemeClr val="bg1"/>
                 </a:solidFill>
               </a:rPr>
-              <a:t>- </a:t>
-            </a:r>
-            <a:r>
-              <a:rPr lang="nl-NL" sz="1400" dirty="0" smtClean="0">
-                <a:solidFill>
-                  <a:schemeClr val="bg1"/>
-                </a:solidFill>
-              </a:rPr>
-              <a:t>Physical system</a:t>
+              <a:t>- Physical system</a:t>
             </a:r>
             <a:endParaRPr lang="nl-NL" sz="1400" dirty="0">
               <a:solidFill>
@@ -7415,21 +9056,8 @@
                   <a:schemeClr val="bg1"/>
                 </a:solidFill>
               </a:rPr>
-              <a:t>- </a:t>
-            </a:r>
-            <a:r>
-              <a:rPr lang="nl-NL" sz="1400" dirty="0" smtClean="0">
-                <a:solidFill>
-                  <a:schemeClr val="bg1"/>
-                </a:solidFill>
-              </a:rPr>
-              <a:t>Black box model</a:t>
-            </a:r>
-            <a:endParaRPr lang="nl-NL" sz="1400" dirty="0" smtClean="0">
-              <a:solidFill>
-                <a:schemeClr val="bg1"/>
-              </a:solidFill>
-            </a:endParaRPr>
+              <a:t>- Black box model</a:t>
+            </a:r>
           </a:p>
           <a:p>
             <a:r>
@@ -7452,13 +9080,6 @@
               </a:rPr>
               <a:t>- Linearisation</a:t>
             </a:r>
-            <a:endParaRPr lang="nl-NL" sz="1400" dirty="0" smtClean="0">
-              <a:solidFill>
-                <a:schemeClr val="tx2">
-                  <a:lumMod val="50000"/>
-                </a:schemeClr>
-              </a:solidFill>
-            </a:endParaRPr>
           </a:p>
           <a:p>
             <a:r>
@@ -7509,11 +9130,6 @@
               </a:rPr>
               <a:t>- Demo</a:t>
             </a:r>
-            <a:endParaRPr lang="nl-NL" sz="1400" dirty="0" smtClean="0">
-              <a:solidFill>
-                <a:schemeClr val="bg1"/>
-              </a:solidFill>
-            </a:endParaRPr>
           </a:p>
         </p:txBody>
       </p:sp>
@@ -7627,8 +9243,8 @@
           </a:p>
         </p:txBody>
       </p:sp>
-      <mc:AlternateContent xmlns:mc="http://schemas.openxmlformats.org/markup-compatibility/2006">
-        <mc:Choice xmlns:a14="http://schemas.microsoft.com/office/drawing/2010/main" Requires="a14">
+      <mc:AlternateContent xmlns:mc="http://schemas.openxmlformats.org/markup-compatibility/2006" xmlns:a14="http://schemas.microsoft.com/office/drawing/2010/main">
+        <mc:Choice Requires="a14">
           <p:graphicFrame>
             <p:nvGraphicFramePr>
               <p:cNvPr id="4" name="Table 3"/>
@@ -7769,6 +9385,7 @@
                         <a:bodyPr/>
                         <a:lstStyle/>
                         <a:p>
+                          <a:pPr/>
                           <a14:m>
                             <m:oMathPara xmlns:m="http://schemas.openxmlformats.org/officeDocument/2006/math">
                               <m:oMathParaPr>
@@ -7792,7 +9409,7 @@
                                   <m:sSupPr>
                                     <m:ctrlPr>
                                       <a:rPr lang="nl-NL" b="0" i="1" smtClean="0">
-                                        <a:latin typeface="Cambria Math"/>
+                                        <a:latin typeface="Cambria Math" charset="0"/>
                                         <a:ea typeface="Cambria Math"/>
                                       </a:rPr>
                                     </m:ctrlPr>
@@ -7877,6 +9494,7 @@
                         <a:bodyPr/>
                         <a:lstStyle/>
                         <a:p>
+                          <a:pPr/>
                           <a14:m>
                             <m:oMathPara xmlns:m="http://schemas.openxmlformats.org/officeDocument/2006/math">
                               <m:oMathParaPr>
@@ -7970,6 +9588,7 @@
                         <a:bodyPr/>
                         <a:lstStyle/>
                         <a:p>
+                          <a:pPr/>
                           <a14:m>
                             <m:oMathPara xmlns:m="http://schemas.openxmlformats.org/officeDocument/2006/math">
                               <m:oMathParaPr>
@@ -7993,7 +9612,7 @@
                                   <m:sSupPr>
                                     <m:ctrlPr>
                                       <a:rPr lang="nl-NL" b="0" i="1" smtClean="0">
-                                        <a:latin typeface="Cambria Math"/>
+                                        <a:latin typeface="Cambria Math" charset="0"/>
                                         <a:ea typeface="Cambria Math"/>
                                       </a:rPr>
                                     </m:ctrlPr>
@@ -8180,6 +9799,7 @@
                         <a:bodyPr/>
                         <a:lstStyle/>
                         <a:p>
+                          <a:pPr/>
                           <a14:m>
                             <m:oMathPara xmlns:m="http://schemas.openxmlformats.org/officeDocument/2006/math">
                               <m:oMathParaPr>
@@ -8253,6 +9873,7 @@
                         <a:bodyPr/>
                         <a:lstStyle/>
                         <a:p>
+                          <a:pPr/>
                           <a14:m>
                             <m:oMathPara xmlns:m="http://schemas.openxmlformats.org/officeDocument/2006/math">
                               <m:oMathParaPr>
@@ -8279,7 +9900,7 @@
             </a:graphic>
           </p:graphicFrame>
         </mc:Choice>
-        <mc:Fallback>
+        <mc:Fallback xmlns="">
           <p:graphicFrame>
             <p:nvGraphicFramePr>
               <p:cNvPr id="4" name="Table 3"/>
@@ -8800,15 +10421,7 @@
                   <a:schemeClr val="bg1"/>
                 </a:solidFill>
               </a:rPr>
-              <a:t>- </a:t>
-            </a:r>
-            <a:r>
-              <a:rPr lang="nl-NL" sz="1400" dirty="0" smtClean="0">
-                <a:solidFill>
-                  <a:schemeClr val="bg1"/>
-                </a:solidFill>
-              </a:rPr>
-              <a:t>Physical system</a:t>
+              <a:t>- Physical system</a:t>
             </a:r>
             <a:endParaRPr lang="nl-NL" sz="1400" dirty="0">
               <a:solidFill>
@@ -8823,21 +10436,18 @@
                   <a:schemeClr val="bg1"/>
                 </a:solidFill>
               </a:rPr>
-              <a:t>- </a:t>
-            </a:r>
+              <a:t>- Black box model</a:t>
+            </a:r>
+          </a:p>
+          <a:p>
             <a:r>
               <a:rPr lang="nl-NL" sz="1400" dirty="0" smtClean="0">
                 <a:solidFill>
                   <a:schemeClr val="bg1"/>
                 </a:solidFill>
               </a:rPr>
-              <a:t>Black box model</a:t>
-            </a:r>
-            <a:endParaRPr lang="nl-NL" sz="1400" dirty="0" smtClean="0">
-              <a:solidFill>
-                <a:schemeClr val="bg1"/>
-              </a:solidFill>
-            </a:endParaRPr>
+              <a:t>- Simulink model</a:t>
+            </a:r>
           </a:p>
           <a:p>
             <a:r>
@@ -8846,23 +10456,8 @@
                   <a:schemeClr val="bg1"/>
                 </a:solidFill>
               </a:rPr>
-              <a:t>- Simulink model</a:t>
-            </a:r>
-          </a:p>
-          <a:p>
-            <a:r>
-              <a:rPr lang="nl-NL" sz="1400" dirty="0" smtClean="0">
-                <a:solidFill>
-                  <a:schemeClr val="bg1"/>
-                </a:solidFill>
-              </a:rPr>
               <a:t>- Linearisation</a:t>
             </a:r>
-            <a:endParaRPr lang="nl-NL" sz="1400" dirty="0" smtClean="0">
-              <a:solidFill>
-                <a:schemeClr val="bg1"/>
-              </a:solidFill>
-            </a:endParaRPr>
           </a:p>
           <a:p>
             <a:r>
@@ -8915,11 +10510,6 @@
               </a:rPr>
               <a:t>- Demo</a:t>
             </a:r>
-            <a:endParaRPr lang="nl-NL" sz="1400" dirty="0" smtClean="0">
-              <a:solidFill>
-                <a:schemeClr val="bg1"/>
-              </a:solidFill>
-            </a:endParaRPr>
           </a:p>
         </p:txBody>
       </p:sp>
@@ -9029,15 +10619,7 @@
                   <a:schemeClr val="bg1"/>
                 </a:solidFill>
               </a:rPr>
-              <a:t>- </a:t>
-            </a:r>
-            <a:r>
-              <a:rPr lang="nl-NL" sz="1400" dirty="0" smtClean="0">
-                <a:solidFill>
-                  <a:schemeClr val="bg1"/>
-                </a:solidFill>
-              </a:rPr>
-              <a:t>Physical system</a:t>
+              <a:t>- Physical system</a:t>
             </a:r>
             <a:endParaRPr lang="nl-NL" sz="1400" dirty="0">
               <a:solidFill>
@@ -9052,21 +10634,18 @@
                   <a:schemeClr val="bg1"/>
                 </a:solidFill>
               </a:rPr>
-              <a:t>- </a:t>
-            </a:r>
+              <a:t>- Black box model</a:t>
+            </a:r>
+          </a:p>
+          <a:p>
             <a:r>
               <a:rPr lang="nl-NL" sz="1400" dirty="0" smtClean="0">
                 <a:solidFill>
                   <a:schemeClr val="bg1"/>
                 </a:solidFill>
               </a:rPr>
-              <a:t>Black box model</a:t>
-            </a:r>
-            <a:endParaRPr lang="nl-NL" sz="1400" dirty="0" smtClean="0">
-              <a:solidFill>
-                <a:schemeClr val="bg1"/>
-              </a:solidFill>
-            </a:endParaRPr>
+              <a:t>- Simulink model</a:t>
+            </a:r>
           </a:p>
           <a:p>
             <a:r>
@@ -9075,23 +10654,8 @@
                   <a:schemeClr val="bg1"/>
                 </a:solidFill>
               </a:rPr>
-              <a:t>- Simulink model</a:t>
-            </a:r>
-          </a:p>
-          <a:p>
-            <a:r>
-              <a:rPr lang="nl-NL" sz="1400" dirty="0" smtClean="0">
-                <a:solidFill>
-                  <a:schemeClr val="bg1"/>
-                </a:solidFill>
-              </a:rPr>
               <a:t>- Linearisation</a:t>
             </a:r>
-            <a:endParaRPr lang="nl-NL" sz="1400" dirty="0" smtClean="0">
-              <a:solidFill>
-                <a:schemeClr val="bg1"/>
-              </a:solidFill>
-            </a:endParaRPr>
           </a:p>
           <a:p>
             <a:r>
@@ -9144,11 +10708,6 @@
               </a:rPr>
               <a:t>- Demo</a:t>
             </a:r>
-            <a:endParaRPr lang="nl-NL" sz="1400" dirty="0" smtClean="0">
-              <a:solidFill>
-                <a:schemeClr val="bg1"/>
-              </a:solidFill>
-            </a:endParaRPr>
           </a:p>
         </p:txBody>
       </p:sp>
@@ -9258,15 +10817,7 @@
                   <a:schemeClr val="bg1"/>
                 </a:solidFill>
               </a:rPr>
-              <a:t>- </a:t>
-            </a:r>
-            <a:r>
-              <a:rPr lang="nl-NL" sz="1400" dirty="0" smtClean="0">
-                <a:solidFill>
-                  <a:schemeClr val="bg1"/>
-                </a:solidFill>
-              </a:rPr>
-              <a:t>Physical system</a:t>
+              <a:t>- Physical system</a:t>
             </a:r>
             <a:endParaRPr lang="nl-NL" sz="1400" dirty="0">
               <a:solidFill>
@@ -9281,21 +10832,18 @@
                   <a:schemeClr val="bg1"/>
                 </a:solidFill>
               </a:rPr>
-              <a:t>- </a:t>
-            </a:r>
+              <a:t>- Black box model</a:t>
+            </a:r>
+          </a:p>
+          <a:p>
             <a:r>
               <a:rPr lang="nl-NL" sz="1400" dirty="0" smtClean="0">
                 <a:solidFill>
                   <a:schemeClr val="bg1"/>
                 </a:solidFill>
               </a:rPr>
-              <a:t>Black box model</a:t>
-            </a:r>
-            <a:endParaRPr lang="nl-NL" sz="1400" dirty="0" smtClean="0">
-              <a:solidFill>
-                <a:schemeClr val="bg1"/>
-              </a:solidFill>
-            </a:endParaRPr>
+              <a:t>- Simulink model</a:t>
+            </a:r>
           </a:p>
           <a:p>
             <a:r>
@@ -9304,23 +10852,8 @@
                   <a:schemeClr val="bg1"/>
                 </a:solidFill>
               </a:rPr>
-              <a:t>- Simulink model</a:t>
-            </a:r>
-          </a:p>
-          <a:p>
-            <a:r>
-              <a:rPr lang="nl-NL" sz="1400" dirty="0" smtClean="0">
-                <a:solidFill>
-                  <a:schemeClr val="bg1"/>
-                </a:solidFill>
-              </a:rPr>
               <a:t>- Linearisation</a:t>
             </a:r>
-            <a:endParaRPr lang="nl-NL" sz="1400" dirty="0" smtClean="0">
-              <a:solidFill>
-                <a:schemeClr val="bg1"/>
-              </a:solidFill>
-            </a:endParaRPr>
           </a:p>
           <a:p>
             <a:r>
@@ -9373,11 +10906,6 @@
               </a:rPr>
               <a:t>- Demo</a:t>
             </a:r>
-            <a:endParaRPr lang="nl-NL" sz="1400" dirty="0" smtClean="0">
-              <a:solidFill>
-                <a:schemeClr val="bg1"/>
-              </a:solidFill>
-            </a:endParaRPr>
           </a:p>
         </p:txBody>
       </p:sp>
